--- a/module-11/Faison_11_SecuirtyControls.pptx
+++ b/module-11/Faison_11_SecuirtyControls.pptx
@@ -8,7 +8,12 @@
     <p:sldId id="256" r:id="rId2"/>
     <p:sldId id="258" r:id="rId3"/>
     <p:sldId id="259" r:id="rId4"/>
-    <p:sldId id="257" r:id="rId5"/>
+    <p:sldId id="260" r:id="rId5"/>
+    <p:sldId id="261" r:id="rId6"/>
+    <p:sldId id="262" r:id="rId7"/>
+    <p:sldId id="263" r:id="rId8"/>
+    <p:sldId id="264" r:id="rId9"/>
+    <p:sldId id="257" r:id="rId10"/>
   </p:sldIdLst>
   <p:sldSz cx="12192000" cy="6858000"/>
   <p:notesSz cx="6858000" cy="9144000"/>
@@ -3752,7 +3757,7 @@
         <p:spPr>
           <a:xfrm>
             <a:off x="625643" y="1735639"/>
-            <a:ext cx="5277852" cy="3970318"/>
+            <a:ext cx="5277852" cy="4524315"/>
           </a:xfrm>
           <a:prstGeom prst="rect">
             <a:avLst/>
@@ -3854,6 +3859,16 @@
             <a:r>
               <a:rPr lang="en-US" dirty="0"/>
               <a:t>Compromised Repositories can lead to code tampering, leaked credentials and supply chain attacks</a:t>
+            </a:r>
+          </a:p>
+          <a:p>
+            <a:pPr marL="742950" lvl="1" indent="-285750">
+              <a:buFont typeface="Arial" panose="020B0604020202020204" pitchFamily="34" charset="0"/>
+              <a:buChar char="•"/>
+            </a:pPr>
+            <a:r>
+              <a:rPr lang="en-US" dirty="0"/>
+              <a:t>The more it is shared the more of a wider ‘target’ the repository can become</a:t>
             </a:r>
           </a:p>
           <a:p>
@@ -3923,7 +3938,10 @@
           <a:bodyPr/>
           <a:lstStyle/>
           <a:p>
-            <a:endParaRPr lang="en-US"/>
+            <a:r>
+              <a:rPr lang="en-US" dirty="0"/>
+              <a:t>Repo Security Controls for Dev and Ops</a:t>
+            </a:r>
           </a:p>
         </p:txBody>
       </p:sp>
@@ -3943,15 +3961,111 @@
             <p:ph idx="1"/>
           </p:nvPr>
         </p:nvSpPr>
-        <p:spPr/>
-        <p:txBody>
-          <a:bodyPr/>
-          <a:lstStyle/>
-          <a:p>
-            <a:endParaRPr lang="en-US"/>
-          </a:p>
-        </p:txBody>
-      </p:sp>
+        <p:spPr>
+          <a:xfrm>
+            <a:off x="838200" y="1825625"/>
+            <a:ext cx="6236368" cy="4351338"/>
+          </a:xfrm>
+        </p:spPr>
+        <p:txBody>
+          <a:bodyPr/>
+          <a:lstStyle/>
+          <a:p>
+            <a:r>
+              <a:rPr lang="en-US" dirty="0"/>
+              <a:t>These elements can create a and use the repository in a more secure state:</a:t>
+            </a:r>
+          </a:p>
+          <a:p>
+            <a:pPr lvl="1"/>
+            <a:r>
+              <a:rPr lang="en-US" dirty="0"/>
+              <a:t>Code libraries and Configurations</a:t>
+            </a:r>
+          </a:p>
+          <a:p>
+            <a:pPr lvl="2"/>
+            <a:r>
+              <a:rPr lang="en-US" dirty="0"/>
+              <a:t>Two factor authentication and password hashing</a:t>
+            </a:r>
+          </a:p>
+          <a:p>
+            <a:pPr lvl="1"/>
+            <a:r>
+              <a:rPr lang="en-US" dirty="0"/>
+              <a:t>Secret Management </a:t>
+            </a:r>
+          </a:p>
+          <a:p>
+            <a:pPr lvl="2"/>
+            <a:r>
+              <a:rPr lang="en-US" dirty="0"/>
+              <a:t>Access and Authentication</a:t>
+            </a:r>
+          </a:p>
+          <a:p>
+            <a:pPr lvl="1"/>
+            <a:r>
+              <a:rPr lang="en-US" dirty="0"/>
+              <a:t>OS packages and builds</a:t>
+            </a:r>
+          </a:p>
+          <a:p>
+            <a:pPr lvl="1"/>
+            <a:r>
+              <a:rPr lang="en-US" dirty="0"/>
+              <a:t>Branch protection</a:t>
+            </a:r>
+          </a:p>
+          <a:p>
+            <a:pPr lvl="1"/>
+            <a:r>
+              <a:rPr lang="en-US" dirty="0"/>
+              <a:t>Automation</a:t>
+            </a:r>
+          </a:p>
+        </p:txBody>
+      </p:sp>
+      <p:pic>
+        <p:nvPicPr>
+          <p:cNvPr id="5" name="Picture 4">
+            <a:extLst>
+              <a:ext uri="{FF2B5EF4-FFF2-40B4-BE49-F238E27FC236}">
+                <a16:creationId xmlns:a16="http://schemas.microsoft.com/office/drawing/2014/main" id="{56BBE7BA-D040-E4A4-65F2-047384F186D3}"/>
+              </a:ext>
+            </a:extLst>
+          </p:cNvPr>
+          <p:cNvPicPr>
+            <a:picLocks noChangeAspect="1"/>
+          </p:cNvPicPr>
+          <p:nvPr/>
+        </p:nvPicPr>
+        <p:blipFill>
+          <a:blip r:embed="rId2">
+            <a:extLst>
+              <a:ext uri="{28A0092B-C50C-407E-A947-70E740481C1C}">
+                <a14:useLocalDpi xmlns:a14="http://schemas.microsoft.com/office/drawing/2010/main" val="0"/>
+              </a:ext>
+              <a:ext uri="{837473B0-CC2E-450A-ABE3-18F120FF3D39}">
+                <a1611:picAttrSrcUrl xmlns:a1611="http://schemas.microsoft.com/office/drawing/2016/11/main" r:id="rId3"/>
+              </a:ext>
+            </a:extLst>
+          </a:blip>
+          <a:stretch>
+            <a:fillRect/>
+          </a:stretch>
+        </p:blipFill>
+        <p:spPr>
+          <a:xfrm>
+            <a:off x="8005011" y="2380167"/>
+            <a:ext cx="3146498" cy="2097665"/>
+          </a:xfrm>
+          <a:prstGeom prst="rect">
+            <a:avLst/>
+          </a:prstGeom>
+        </p:spPr>
+      </p:pic>
     </p:spTree>
     <p:extLst>
       <p:ext uri="{BB962C8B-B14F-4D97-AF65-F5344CB8AC3E}">
@@ -3987,6 +4101,777 @@
           <p:cNvPr id="2" name="Title 1">
             <a:extLst>
               <a:ext uri="{FF2B5EF4-FFF2-40B4-BE49-F238E27FC236}">
+                <a16:creationId xmlns:a16="http://schemas.microsoft.com/office/drawing/2014/main" id="{A782732B-EB66-83B0-3E6C-6AEF7239C00D}"/>
+              </a:ext>
+            </a:extLst>
+          </p:cNvPr>
+          <p:cNvSpPr>
+            <a:spLocks noGrp="1"/>
+          </p:cNvSpPr>
+          <p:nvPr>
+            <p:ph type="title"/>
+          </p:nvPr>
+        </p:nvSpPr>
+        <p:spPr/>
+        <p:txBody>
+          <a:bodyPr/>
+          <a:lstStyle/>
+          <a:p>
+            <a:r>
+              <a:rPr lang="en-US" dirty="0"/>
+              <a:t>Access and Authentication	</a:t>
+            </a:r>
+          </a:p>
+        </p:txBody>
+      </p:sp>
+      <p:sp>
+        <p:nvSpPr>
+          <p:cNvPr id="3" name="Content Placeholder 2">
+            <a:extLst>
+              <a:ext uri="{FF2B5EF4-FFF2-40B4-BE49-F238E27FC236}">
+                <a16:creationId xmlns:a16="http://schemas.microsoft.com/office/drawing/2014/main" id="{658B943D-DF28-6E85-1556-4EED200A27B0}"/>
+              </a:ext>
+            </a:extLst>
+          </p:cNvPr>
+          <p:cNvSpPr>
+            <a:spLocks noGrp="1"/>
+          </p:cNvSpPr>
+          <p:nvPr>
+            <p:ph idx="1"/>
+          </p:nvPr>
+        </p:nvSpPr>
+        <p:spPr>
+          <a:xfrm>
+            <a:off x="838200" y="1825625"/>
+            <a:ext cx="7615989" cy="4351338"/>
+          </a:xfrm>
+        </p:spPr>
+        <p:txBody>
+          <a:bodyPr/>
+          <a:lstStyle/>
+          <a:p>
+            <a:r>
+              <a:rPr lang="en-US" dirty="0"/>
+              <a:t>Using 2FA libraries</a:t>
+            </a:r>
+          </a:p>
+          <a:p>
+            <a:r>
+              <a:rPr lang="en-US" dirty="0"/>
+              <a:t>Applying the Principle of Least Privilege</a:t>
+            </a:r>
+          </a:p>
+          <a:p>
+            <a:pPr lvl="1"/>
+            <a:r>
+              <a:rPr lang="en-US" dirty="0"/>
+              <a:t>In larger teams especially, everyone does not need access to everything</a:t>
+            </a:r>
+          </a:p>
+          <a:p>
+            <a:pPr lvl="1"/>
+            <a:r>
+              <a:rPr lang="en-US" dirty="0"/>
+              <a:t>Roles provide security points in which people with privilege can stop unwanted pushing or merging</a:t>
+            </a:r>
+          </a:p>
+          <a:p>
+            <a:r>
+              <a:rPr lang="en-US" dirty="0"/>
+              <a:t>Use of tokens and cookies</a:t>
+            </a:r>
+          </a:p>
+          <a:p>
+            <a:r>
+              <a:rPr lang="en-US" dirty="0"/>
+              <a:t>Short-lived credentials</a:t>
+            </a:r>
+          </a:p>
+          <a:p>
+            <a:endParaRPr lang="en-US" dirty="0"/>
+          </a:p>
+        </p:txBody>
+      </p:sp>
+      <p:pic>
+        <p:nvPicPr>
+          <p:cNvPr id="5" name="Picture 4">
+            <a:extLst>
+              <a:ext uri="{FF2B5EF4-FFF2-40B4-BE49-F238E27FC236}">
+                <a16:creationId xmlns:a16="http://schemas.microsoft.com/office/drawing/2014/main" id="{E14263D6-02BE-C286-0915-38635A74003F}"/>
+              </a:ext>
+            </a:extLst>
+          </p:cNvPr>
+          <p:cNvPicPr>
+            <a:picLocks noChangeAspect="1"/>
+          </p:cNvPicPr>
+          <p:nvPr/>
+        </p:nvPicPr>
+        <p:blipFill>
+          <a:blip r:embed="rId2">
+            <a:extLst>
+              <a:ext uri="{28A0092B-C50C-407E-A947-70E740481C1C}">
+                <a14:useLocalDpi xmlns:a14="http://schemas.microsoft.com/office/drawing/2010/main" val="0"/>
+              </a:ext>
+              <a:ext uri="{837473B0-CC2E-450A-ABE3-18F120FF3D39}">
+                <a1611:picAttrSrcUrl xmlns:a1611="http://schemas.microsoft.com/office/drawing/2016/11/main" r:id="rId3"/>
+              </a:ext>
+            </a:extLst>
+          </a:blip>
+          <a:stretch>
+            <a:fillRect/>
+          </a:stretch>
+        </p:blipFill>
+        <p:spPr>
+          <a:xfrm>
+            <a:off x="8454189" y="1825625"/>
+            <a:ext cx="3054015" cy="3496847"/>
+          </a:xfrm>
+          <a:prstGeom prst="rect">
+            <a:avLst/>
+          </a:prstGeom>
+        </p:spPr>
+      </p:pic>
+      <p:sp>
+        <p:nvSpPr>
+          <p:cNvPr id="6" name="TextBox 5">
+            <a:extLst>
+              <a:ext uri="{FF2B5EF4-FFF2-40B4-BE49-F238E27FC236}">
+                <a16:creationId xmlns:a16="http://schemas.microsoft.com/office/drawing/2014/main" id="{AF93E8F8-CAC5-9005-B26B-1E06B75DC96C}"/>
+              </a:ext>
+            </a:extLst>
+          </p:cNvPr>
+          <p:cNvSpPr txBox="1"/>
+          <p:nvPr/>
+        </p:nvSpPr>
+        <p:spPr>
+          <a:xfrm>
+            <a:off x="8454189" y="5179145"/>
+            <a:ext cx="3054015" cy="230832"/>
+          </a:xfrm>
+          <a:prstGeom prst="rect">
+            <a:avLst/>
+          </a:prstGeom>
+          <a:noFill/>
+        </p:spPr>
+        <p:txBody>
+          <a:bodyPr wrap="square" rtlCol="0">
+            <a:spAutoFit/>
+          </a:bodyPr>
+          <a:lstStyle/>
+          <a:p>
+            <a:r>
+              <a:rPr lang="en-US" sz="900">
+                <a:hlinkClick r:id="rId3" tooltip="https://musing-mike.blogspot.com/"/>
+              </a:rPr>
+              <a:t>This Photo</a:t>
+            </a:r>
+            <a:r>
+              <a:rPr lang="en-US" sz="900"/>
+              <a:t> by Unknown Author is licensed under </a:t>
+            </a:r>
+            <a:r>
+              <a:rPr lang="en-US" sz="900">
+                <a:hlinkClick r:id="rId4" tooltip="https://creativecommons.org/licenses/by-sa/3.0/"/>
+              </a:rPr>
+              <a:t>CC BY-SA</a:t>
+            </a:r>
+            <a:endParaRPr lang="en-US" sz="900"/>
+          </a:p>
+        </p:txBody>
+      </p:sp>
+    </p:spTree>
+    <p:extLst>
+      <p:ext uri="{BB962C8B-B14F-4D97-AF65-F5344CB8AC3E}">
+        <p14:creationId xmlns:p14="http://schemas.microsoft.com/office/powerpoint/2010/main" val="2494115391"/>
+      </p:ext>
+    </p:extLst>
+  </p:cSld>
+  <p:clrMapOvr>
+    <a:masterClrMapping/>
+  </p:clrMapOvr>
+</p:sld>
+</file>
+
+<file path=ppt/slides/slide5.xml><?xml version="1.0" encoding="utf-8"?>
+<p:sld xmlns:a="http://schemas.openxmlformats.org/drawingml/2006/main" xmlns:r="http://schemas.openxmlformats.org/officeDocument/2006/relationships" xmlns:p="http://schemas.openxmlformats.org/presentationml/2006/main">
+  <p:cSld>
+    <p:spTree>
+      <p:nvGrpSpPr>
+        <p:cNvPr id="1" name=""/>
+        <p:cNvGrpSpPr/>
+        <p:nvPr/>
+      </p:nvGrpSpPr>
+      <p:grpSpPr>
+        <a:xfrm>
+          <a:off x="0" y="0"/>
+          <a:ext cx="0" cy="0"/>
+          <a:chOff x="0" y="0"/>
+          <a:chExt cx="0" cy="0"/>
+        </a:xfrm>
+      </p:grpSpPr>
+      <p:sp>
+        <p:nvSpPr>
+          <p:cNvPr id="2" name="Title 1">
+            <a:extLst>
+              <a:ext uri="{FF2B5EF4-FFF2-40B4-BE49-F238E27FC236}">
+                <a16:creationId xmlns:a16="http://schemas.microsoft.com/office/drawing/2014/main" id="{0790F58B-6821-F731-E1CD-2DED766E26BB}"/>
+              </a:ext>
+            </a:extLst>
+          </p:cNvPr>
+          <p:cNvSpPr>
+            <a:spLocks noGrp="1"/>
+          </p:cNvSpPr>
+          <p:nvPr>
+            <p:ph type="title"/>
+          </p:nvPr>
+        </p:nvSpPr>
+        <p:spPr/>
+        <p:txBody>
+          <a:bodyPr/>
+          <a:lstStyle/>
+          <a:p>
+            <a:r>
+              <a:rPr lang="en-US" dirty="0"/>
+              <a:t>Branch Protection and Workflow Controls	</a:t>
+            </a:r>
+          </a:p>
+        </p:txBody>
+      </p:sp>
+      <p:sp>
+        <p:nvSpPr>
+          <p:cNvPr id="3" name="Content Placeholder 2">
+            <a:extLst>
+              <a:ext uri="{FF2B5EF4-FFF2-40B4-BE49-F238E27FC236}">
+                <a16:creationId xmlns:a16="http://schemas.microsoft.com/office/drawing/2014/main" id="{DF073A3C-4F87-9E7F-26C8-44F1AAFFDA22}"/>
+              </a:ext>
+            </a:extLst>
+          </p:cNvPr>
+          <p:cNvSpPr>
+            <a:spLocks noGrp="1"/>
+          </p:cNvSpPr>
+          <p:nvPr>
+            <p:ph idx="1"/>
+          </p:nvPr>
+        </p:nvSpPr>
+        <p:spPr/>
+        <p:txBody>
+          <a:bodyPr/>
+          <a:lstStyle/>
+          <a:p>
+            <a:r>
+              <a:rPr lang="en-US" dirty="0"/>
+              <a:t>As stated previously, least privilege provides branch protection</a:t>
+            </a:r>
+          </a:p>
+          <a:p>
+            <a:pPr lvl="1"/>
+            <a:r>
+              <a:rPr lang="en-US" dirty="0"/>
+              <a:t>Restricting who can push to protected branches</a:t>
+            </a:r>
+          </a:p>
+          <a:p>
+            <a:r>
+              <a:rPr lang="en-US" dirty="0"/>
+              <a:t>Use of labeling, codes or other methods to provide priority</a:t>
+            </a:r>
+          </a:p>
+          <a:p>
+            <a:pPr lvl="1"/>
+            <a:r>
+              <a:rPr lang="en-US" dirty="0"/>
+              <a:t>Can aid in what changes can wait and what needs to be done ASAP</a:t>
+            </a:r>
+          </a:p>
+          <a:p>
+            <a:pPr lvl="1"/>
+            <a:r>
+              <a:rPr lang="en-US" dirty="0"/>
+              <a:t>Image you are the Release Manager or Project Manager to 50 engineers. That is a lot of changes that need to be reviewed and the important ones can be lost in a sea of requests</a:t>
+            </a:r>
+          </a:p>
+        </p:txBody>
+      </p:sp>
+    </p:spTree>
+    <p:extLst>
+      <p:ext uri="{BB962C8B-B14F-4D97-AF65-F5344CB8AC3E}">
+        <p14:creationId xmlns:p14="http://schemas.microsoft.com/office/powerpoint/2010/main" val="2247963381"/>
+      </p:ext>
+    </p:extLst>
+  </p:cSld>
+  <p:clrMapOvr>
+    <a:masterClrMapping/>
+  </p:clrMapOvr>
+</p:sld>
+</file>
+
+<file path=ppt/slides/slide6.xml><?xml version="1.0" encoding="utf-8"?>
+<p:sld xmlns:a="http://schemas.openxmlformats.org/drawingml/2006/main" xmlns:r="http://schemas.openxmlformats.org/officeDocument/2006/relationships" xmlns:p="http://schemas.openxmlformats.org/presentationml/2006/main">
+  <p:cSld>
+    <p:spTree>
+      <p:nvGrpSpPr>
+        <p:cNvPr id="1" name=""/>
+        <p:cNvGrpSpPr/>
+        <p:nvPr/>
+      </p:nvGrpSpPr>
+      <p:grpSpPr>
+        <a:xfrm>
+          <a:off x="0" y="0"/>
+          <a:ext cx="0" cy="0"/>
+          <a:chOff x="0" y="0"/>
+          <a:chExt cx="0" cy="0"/>
+        </a:xfrm>
+      </p:grpSpPr>
+      <p:sp>
+        <p:nvSpPr>
+          <p:cNvPr id="2" name="Title 1">
+            <a:extLst>
+              <a:ext uri="{FF2B5EF4-FFF2-40B4-BE49-F238E27FC236}">
+                <a16:creationId xmlns:a16="http://schemas.microsoft.com/office/drawing/2014/main" id="{7B6867B5-14A1-33B3-A9B8-AFCFE9B9F6AC}"/>
+              </a:ext>
+            </a:extLst>
+          </p:cNvPr>
+          <p:cNvSpPr>
+            <a:spLocks noGrp="1"/>
+          </p:cNvSpPr>
+          <p:nvPr>
+            <p:ph type="title"/>
+          </p:nvPr>
+        </p:nvSpPr>
+        <p:spPr/>
+        <p:txBody>
+          <a:bodyPr/>
+          <a:lstStyle/>
+          <a:p>
+            <a:r>
+              <a:rPr lang="en-US" dirty="0"/>
+              <a:t>Sensitive Data Handling</a:t>
+            </a:r>
+          </a:p>
+        </p:txBody>
+      </p:sp>
+      <p:sp>
+        <p:nvSpPr>
+          <p:cNvPr id="3" name="Content Placeholder 2">
+            <a:extLst>
+              <a:ext uri="{FF2B5EF4-FFF2-40B4-BE49-F238E27FC236}">
+                <a16:creationId xmlns:a16="http://schemas.microsoft.com/office/drawing/2014/main" id="{11ED6C30-0BA0-C308-1E46-EF77DBFAC954}"/>
+              </a:ext>
+            </a:extLst>
+          </p:cNvPr>
+          <p:cNvSpPr>
+            <a:spLocks noGrp="1"/>
+          </p:cNvSpPr>
+          <p:nvPr>
+            <p:ph idx="1"/>
+          </p:nvPr>
+        </p:nvSpPr>
+        <p:spPr>
+          <a:xfrm>
+            <a:off x="838200" y="1825625"/>
+            <a:ext cx="4792579" cy="4351338"/>
+          </a:xfrm>
+        </p:spPr>
+        <p:txBody>
+          <a:bodyPr/>
+          <a:lstStyle/>
+          <a:p>
+            <a:r>
+              <a:rPr lang="en-US" dirty="0"/>
+              <a:t>Never hard code secrets in repos</a:t>
+            </a:r>
+          </a:p>
+          <a:p>
+            <a:pPr lvl="1"/>
+            <a:r>
+              <a:rPr lang="en-US" dirty="0"/>
+              <a:t>For instance, you may need to reference keys in the code</a:t>
+            </a:r>
+          </a:p>
+          <a:p>
+            <a:r>
+              <a:rPr lang="en-US" dirty="0"/>
+              <a:t>Use centralized secret managers</a:t>
+            </a:r>
+          </a:p>
+          <a:p>
+            <a:pPr lvl="1"/>
+            <a:r>
+              <a:rPr lang="en-US" dirty="0"/>
+              <a:t>Like AWS Secrets Manager</a:t>
+            </a:r>
+          </a:p>
+          <a:p>
+            <a:r>
+              <a:rPr lang="en-US" dirty="0"/>
+              <a:t>Automated Systems that detect secret or data leakage</a:t>
+            </a:r>
+          </a:p>
+        </p:txBody>
+      </p:sp>
+      <p:pic>
+        <p:nvPicPr>
+          <p:cNvPr id="5" name="Picture 4">
+            <a:extLst>
+              <a:ext uri="{FF2B5EF4-FFF2-40B4-BE49-F238E27FC236}">
+                <a16:creationId xmlns:a16="http://schemas.microsoft.com/office/drawing/2014/main" id="{9B281344-A28E-8C0B-9E69-B70FE84C0072}"/>
+              </a:ext>
+            </a:extLst>
+          </p:cNvPr>
+          <p:cNvPicPr>
+            <a:picLocks noChangeAspect="1"/>
+          </p:cNvPicPr>
+          <p:nvPr/>
+        </p:nvPicPr>
+        <p:blipFill>
+          <a:blip r:embed="rId2">
+            <a:extLst>
+              <a:ext uri="{28A0092B-C50C-407E-A947-70E740481C1C}">
+                <a14:useLocalDpi xmlns:a14="http://schemas.microsoft.com/office/drawing/2010/main" val="0"/>
+              </a:ext>
+              <a:ext uri="{837473B0-CC2E-450A-ABE3-18F120FF3D39}">
+                <a1611:picAttrSrcUrl xmlns:a1611="http://schemas.microsoft.com/office/drawing/2016/11/main" r:id="rId3"/>
+              </a:ext>
+            </a:extLst>
+          </a:blip>
+          <a:stretch>
+            <a:fillRect/>
+          </a:stretch>
+        </p:blipFill>
+        <p:spPr>
+          <a:xfrm>
+            <a:off x="5837319" y="1451810"/>
+            <a:ext cx="5931569" cy="3954379"/>
+          </a:xfrm>
+          <a:prstGeom prst="rect">
+            <a:avLst/>
+          </a:prstGeom>
+        </p:spPr>
+      </p:pic>
+    </p:spTree>
+    <p:extLst>
+      <p:ext uri="{BB962C8B-B14F-4D97-AF65-F5344CB8AC3E}">
+        <p14:creationId xmlns:p14="http://schemas.microsoft.com/office/powerpoint/2010/main" val="177798106"/>
+      </p:ext>
+    </p:extLst>
+  </p:cSld>
+  <p:clrMapOvr>
+    <a:masterClrMapping/>
+  </p:clrMapOvr>
+</p:sld>
+</file>
+
+<file path=ppt/slides/slide7.xml><?xml version="1.0" encoding="utf-8"?>
+<p:sld xmlns:a="http://schemas.openxmlformats.org/drawingml/2006/main" xmlns:r="http://schemas.openxmlformats.org/officeDocument/2006/relationships" xmlns:p="http://schemas.openxmlformats.org/presentationml/2006/main">
+  <p:cSld>
+    <p:spTree>
+      <p:nvGrpSpPr>
+        <p:cNvPr id="1" name=""/>
+        <p:cNvGrpSpPr/>
+        <p:nvPr/>
+      </p:nvGrpSpPr>
+      <p:grpSpPr>
+        <a:xfrm>
+          <a:off x="0" y="0"/>
+          <a:ext cx="0" cy="0"/>
+          <a:chOff x="0" y="0"/>
+          <a:chExt cx="0" cy="0"/>
+        </a:xfrm>
+      </p:grpSpPr>
+      <p:sp>
+        <p:nvSpPr>
+          <p:cNvPr id="2" name="Title 1">
+            <a:extLst>
+              <a:ext uri="{FF2B5EF4-FFF2-40B4-BE49-F238E27FC236}">
+                <a16:creationId xmlns:a16="http://schemas.microsoft.com/office/drawing/2014/main" id="{D0B5D22E-349C-6017-C90F-7B279BCD48BD}"/>
+              </a:ext>
+            </a:extLst>
+          </p:cNvPr>
+          <p:cNvSpPr>
+            <a:spLocks noGrp="1"/>
+          </p:cNvSpPr>
+          <p:nvPr>
+            <p:ph type="title"/>
+          </p:nvPr>
+        </p:nvSpPr>
+        <p:spPr/>
+        <p:txBody>
+          <a:bodyPr/>
+          <a:lstStyle/>
+          <a:p>
+            <a:r>
+              <a:rPr lang="en-US" dirty="0"/>
+              <a:t>Automation	</a:t>
+            </a:r>
+          </a:p>
+        </p:txBody>
+      </p:sp>
+      <p:sp>
+        <p:nvSpPr>
+          <p:cNvPr id="3" name="Content Placeholder 2">
+            <a:extLst>
+              <a:ext uri="{FF2B5EF4-FFF2-40B4-BE49-F238E27FC236}">
+                <a16:creationId xmlns:a16="http://schemas.microsoft.com/office/drawing/2014/main" id="{BA3927EB-1709-1CEC-2FEE-C16A12AFC113}"/>
+              </a:ext>
+            </a:extLst>
+          </p:cNvPr>
+          <p:cNvSpPr>
+            <a:spLocks noGrp="1"/>
+          </p:cNvSpPr>
+          <p:nvPr>
+            <p:ph idx="1"/>
+          </p:nvPr>
+        </p:nvSpPr>
+        <p:spPr/>
+        <p:txBody>
+          <a:bodyPr/>
+          <a:lstStyle/>
+          <a:p>
+            <a:r>
+              <a:rPr lang="en-US" dirty="0"/>
+              <a:t>Automated Scanning and Monitoring should cover:</a:t>
+            </a:r>
+          </a:p>
+          <a:p>
+            <a:pPr lvl="1"/>
+            <a:r>
+              <a:rPr lang="en-US" dirty="0"/>
+              <a:t>Log ins</a:t>
+            </a:r>
+          </a:p>
+          <a:p>
+            <a:pPr lvl="1"/>
+            <a:r>
+              <a:rPr lang="en-US" dirty="0"/>
+              <a:t>Credential leaks</a:t>
+            </a:r>
+          </a:p>
+          <a:p>
+            <a:pPr lvl="1"/>
+            <a:r>
+              <a:rPr lang="en-US" dirty="0"/>
+              <a:t>Changes in authorization and authentications</a:t>
+            </a:r>
+          </a:p>
+          <a:p>
+            <a:pPr lvl="1"/>
+            <a:r>
+              <a:rPr lang="en-US" dirty="0"/>
+              <a:t>Strange activity:</a:t>
+            </a:r>
+          </a:p>
+          <a:p>
+            <a:pPr lvl="2"/>
+            <a:r>
+              <a:rPr lang="en-US" dirty="0"/>
+              <a:t>Too many pushes or merging</a:t>
+            </a:r>
+          </a:p>
+          <a:p>
+            <a:pPr lvl="2"/>
+            <a:r>
+              <a:rPr lang="en-US" dirty="0"/>
+              <a:t>Log in attempts</a:t>
+            </a:r>
+          </a:p>
+          <a:p>
+            <a:pPr lvl="2"/>
+            <a:r>
+              <a:rPr lang="en-US" dirty="0"/>
+              <a:t>Attempts in access beyond users' credentials</a:t>
+            </a:r>
+          </a:p>
+          <a:p>
+            <a:r>
+              <a:rPr lang="en-US" dirty="0"/>
+              <a:t>It is important to monitor and run security scans early and often</a:t>
+            </a:r>
+          </a:p>
+        </p:txBody>
+      </p:sp>
+    </p:spTree>
+    <p:extLst>
+      <p:ext uri="{BB962C8B-B14F-4D97-AF65-F5344CB8AC3E}">
+        <p14:creationId xmlns:p14="http://schemas.microsoft.com/office/powerpoint/2010/main" val="3142741155"/>
+      </p:ext>
+    </p:extLst>
+  </p:cSld>
+  <p:clrMapOvr>
+    <a:masterClrMapping/>
+  </p:clrMapOvr>
+</p:sld>
+</file>
+
+<file path=ppt/slides/slide8.xml><?xml version="1.0" encoding="utf-8"?>
+<p:sld xmlns:a="http://schemas.openxmlformats.org/drawingml/2006/main" xmlns:r="http://schemas.openxmlformats.org/officeDocument/2006/relationships" xmlns:p="http://schemas.openxmlformats.org/presentationml/2006/main">
+  <p:cSld>
+    <p:spTree>
+      <p:nvGrpSpPr>
+        <p:cNvPr id="1" name=""/>
+        <p:cNvGrpSpPr/>
+        <p:nvPr/>
+      </p:nvGrpSpPr>
+      <p:grpSpPr>
+        <a:xfrm>
+          <a:off x="0" y="0"/>
+          <a:ext cx="0" cy="0"/>
+          <a:chOff x="0" y="0"/>
+          <a:chExt cx="0" cy="0"/>
+        </a:xfrm>
+      </p:grpSpPr>
+      <p:sp>
+        <p:nvSpPr>
+          <p:cNvPr id="2" name="Title 1">
+            <a:extLst>
+              <a:ext uri="{FF2B5EF4-FFF2-40B4-BE49-F238E27FC236}">
+                <a16:creationId xmlns:a16="http://schemas.microsoft.com/office/drawing/2014/main" id="{2CC9411D-F0C1-8144-4ED7-30C9005AD600}"/>
+              </a:ext>
+            </a:extLst>
+          </p:cNvPr>
+          <p:cNvSpPr>
+            <a:spLocks noGrp="1"/>
+          </p:cNvSpPr>
+          <p:nvPr>
+            <p:ph type="title"/>
+          </p:nvPr>
+        </p:nvSpPr>
+        <p:spPr/>
+        <p:txBody>
+          <a:bodyPr/>
+          <a:lstStyle/>
+          <a:p>
+            <a:r>
+              <a:rPr lang="en-US" dirty="0"/>
+              <a:t>Overall…</a:t>
+            </a:r>
+          </a:p>
+        </p:txBody>
+      </p:sp>
+      <p:sp>
+        <p:nvSpPr>
+          <p:cNvPr id="3" name="Content Placeholder 2">
+            <a:extLst>
+              <a:ext uri="{FF2B5EF4-FFF2-40B4-BE49-F238E27FC236}">
+                <a16:creationId xmlns:a16="http://schemas.microsoft.com/office/drawing/2014/main" id="{8AE62B05-160A-CB89-C04E-55D53F066BB3}"/>
+              </a:ext>
+            </a:extLst>
+          </p:cNvPr>
+          <p:cNvSpPr>
+            <a:spLocks noGrp="1"/>
+          </p:cNvSpPr>
+          <p:nvPr>
+            <p:ph idx="1"/>
+          </p:nvPr>
+        </p:nvSpPr>
+        <p:spPr>
+          <a:xfrm>
+            <a:off x="838200" y="1825625"/>
+            <a:ext cx="6043863" cy="4351338"/>
+          </a:xfrm>
+        </p:spPr>
+        <p:txBody>
+          <a:bodyPr/>
+          <a:lstStyle/>
+          <a:p>
+            <a:r>
+              <a:rPr lang="en-US" dirty="0"/>
+              <a:t>The shared repository is highly important to everyone involved</a:t>
+            </a:r>
+          </a:p>
+          <a:p>
+            <a:r>
+              <a:rPr lang="en-US" dirty="0"/>
+              <a:t>Monitoring and ensuring secure repositories practices help the source code keep its integrity </a:t>
+            </a:r>
+          </a:p>
+          <a:p>
+            <a:r>
+              <a:rPr lang="en-US" dirty="0"/>
+              <a:t>Saves time in needing to debug and fix mistakes</a:t>
+            </a:r>
+          </a:p>
+          <a:p>
+            <a:r>
+              <a:rPr lang="en-US" dirty="0"/>
+              <a:t>Helps keep data and secret information confidential thus boosting the developer's credibility </a:t>
+            </a:r>
+          </a:p>
+        </p:txBody>
+      </p:sp>
+      <p:pic>
+        <p:nvPicPr>
+          <p:cNvPr id="5" name="Picture 4">
+            <a:extLst>
+              <a:ext uri="{FF2B5EF4-FFF2-40B4-BE49-F238E27FC236}">
+                <a16:creationId xmlns:a16="http://schemas.microsoft.com/office/drawing/2014/main" id="{7B65F1D2-F818-81C6-27CE-7B1FD03CDB64}"/>
+              </a:ext>
+            </a:extLst>
+          </p:cNvPr>
+          <p:cNvPicPr>
+            <a:picLocks noChangeAspect="1"/>
+          </p:cNvPicPr>
+          <p:nvPr/>
+        </p:nvPicPr>
+        <p:blipFill>
+          <a:blip r:embed="rId2">
+            <a:extLst>
+              <a:ext uri="{28A0092B-C50C-407E-A947-70E740481C1C}">
+                <a14:useLocalDpi xmlns:a14="http://schemas.microsoft.com/office/drawing/2010/main" val="0"/>
+              </a:ext>
+              <a:ext uri="{837473B0-CC2E-450A-ABE3-18F120FF3D39}">
+                <a1611:picAttrSrcUrl xmlns:a1611="http://schemas.microsoft.com/office/drawing/2016/11/main" r:id="rId3"/>
+              </a:ext>
+            </a:extLst>
+          </a:blip>
+          <a:stretch>
+            <a:fillRect/>
+          </a:stretch>
+        </p:blipFill>
+        <p:spPr>
+          <a:xfrm>
+            <a:off x="7202905" y="1714500"/>
+            <a:ext cx="4572000" cy="3429000"/>
+          </a:xfrm>
+          <a:prstGeom prst="rect">
+            <a:avLst/>
+          </a:prstGeom>
+        </p:spPr>
+      </p:pic>
+    </p:spTree>
+    <p:extLst>
+      <p:ext uri="{BB962C8B-B14F-4D97-AF65-F5344CB8AC3E}">
+        <p14:creationId xmlns:p14="http://schemas.microsoft.com/office/powerpoint/2010/main" val="834013004"/>
+      </p:ext>
+    </p:extLst>
+  </p:cSld>
+  <p:clrMapOvr>
+    <a:masterClrMapping/>
+  </p:clrMapOvr>
+</p:sld>
+</file>
+
+<file path=ppt/slides/slide9.xml><?xml version="1.0" encoding="utf-8"?>
+<p:sld xmlns:a="http://schemas.openxmlformats.org/drawingml/2006/main" xmlns:r="http://schemas.openxmlformats.org/officeDocument/2006/relationships" xmlns:p="http://schemas.openxmlformats.org/presentationml/2006/main">
+  <p:cSld>
+    <p:spTree>
+      <p:nvGrpSpPr>
+        <p:cNvPr id="1" name=""/>
+        <p:cNvGrpSpPr/>
+        <p:nvPr/>
+      </p:nvGrpSpPr>
+      <p:grpSpPr>
+        <a:xfrm>
+          <a:off x="0" y="0"/>
+          <a:ext cx="0" cy="0"/>
+          <a:chOff x="0" y="0"/>
+          <a:chExt cx="0" cy="0"/>
+        </a:xfrm>
+      </p:grpSpPr>
+      <p:sp>
+        <p:nvSpPr>
+          <p:cNvPr id="2" name="Title 1">
+            <a:extLst>
+              <a:ext uri="{FF2B5EF4-FFF2-40B4-BE49-F238E27FC236}">
                 <a16:creationId xmlns:a16="http://schemas.microsoft.com/office/drawing/2014/main" id="{51C59091-A622-E73E-57B9-8F57E77E3BD8}"/>
               </a:ext>
             </a:extLst>
@@ -4029,9 +4914,12 @@
         <p:spPr/>
         <p:txBody>
           <a:bodyPr>
-            <a:normAutofit fontScale="62500" lnSpcReduction="20000"/>
+            <a:normAutofit fontScale="55000" lnSpcReduction="20000"/>
           </a:bodyPr>
           <a:lstStyle/>
+          <a:p>
+            <a:endParaRPr lang="en-US" dirty="0"/>
+          </a:p>
           <a:p>
             <a:r>
               <a:rPr lang="en-US" dirty="0"/>
@@ -4120,8 +5008,40 @@
               <a:t>Llc</a:t>
             </a:r>
             <a:r>
-              <a:rPr lang="en-US"/>
+              <a:rPr lang="en-US" dirty="0"/>
               <a:t>.</a:t>
+            </a:r>
+          </a:p>
+          <a:p>
+            <a:r>
+              <a:rPr lang="fr-FR" dirty="0" err="1"/>
+              <a:t>OpenAI</a:t>
+            </a:r>
+            <a:r>
+              <a:rPr lang="fr-FR" dirty="0"/>
+              <a:t>. (2023). </a:t>
+            </a:r>
+            <a:r>
+              <a:rPr lang="fr-FR" i="1" dirty="0" err="1"/>
+              <a:t>ChatGPT</a:t>
+            </a:r>
+            <a:r>
+              <a:rPr lang="fr-FR" dirty="0"/>
+              <a:t> (Mar 14 version) [Large </a:t>
+            </a:r>
+            <a:r>
+              <a:rPr lang="fr-FR" dirty="0" err="1"/>
+              <a:t>language</a:t>
+            </a:r>
+            <a:r>
+              <a:rPr lang="fr-FR" dirty="0"/>
+              <a:t> model]. </a:t>
+            </a:r>
+            <a:r>
+              <a:rPr lang="fr-FR" u="sng" dirty="0">
+                <a:hlinkClick r:id="rId4"/>
+              </a:rPr>
+              <a:t>https://chat.openai.com/chat</a:t>
             </a:r>
             <a:endParaRPr lang="en-US" dirty="0"/>
           </a:p>
@@ -4140,7 +5060,7 @@
             </a:r>
             <a:r>
               <a:rPr lang="en-US" dirty="0">
-                <a:hlinkClick r:id="rId4"/>
+                <a:hlinkClick r:id="rId5"/>
               </a:rPr>
               <a:t>https://cheatsheetseries.owasp.org/cheatsheets/Secrets_Management_Cheat_Sheet.html</a:t>
             </a:r>

--- a/module-11/Faison_11_SecuirtyControls.pptx
+++ b/module-11/Faison_11_SecuirtyControls.pptx
@@ -2,7 +2,7 @@
 <file path=ppt/presentation.xml><?xml version="1.0" encoding="utf-8"?>
 <p:presentation xmlns:a="http://schemas.openxmlformats.org/drawingml/2006/main" xmlns:r="http://schemas.openxmlformats.org/officeDocument/2006/relationships" xmlns:p="http://schemas.openxmlformats.org/presentationml/2006/main" saveSubsetFonts="1">
   <p:sldMasterIdLst>
-    <p:sldMasterId id="2147483648" r:id="rId1"/>
+    <p:sldMasterId id="2147483660" r:id="rId1"/>
   </p:sldMasterIdLst>
   <p:sldIdLst>
     <p:sldId id="256" r:id="rId2"/>
@@ -21,7 +21,7 @@
     <a:defPPr>
       <a:defRPr lang="en-US"/>
     </a:defPPr>
-    <a:lvl1pPr marL="0" algn="l" defTabSz="914400" rtl="0" eaLnBrk="1" latinLnBrk="0" hangingPunct="1">
+    <a:lvl1pPr marL="0" algn="l" defTabSz="457200" rtl="0" eaLnBrk="1" latinLnBrk="0" hangingPunct="1">
       <a:defRPr sz="1800" kern="1200">
         <a:solidFill>
           <a:schemeClr val="tx1"/>
@@ -31,7 +31,7 @@
         <a:cs typeface="+mn-cs"/>
       </a:defRPr>
     </a:lvl1pPr>
-    <a:lvl2pPr marL="457200" algn="l" defTabSz="914400" rtl="0" eaLnBrk="1" latinLnBrk="0" hangingPunct="1">
+    <a:lvl2pPr marL="457200" algn="l" defTabSz="457200" rtl="0" eaLnBrk="1" latinLnBrk="0" hangingPunct="1">
       <a:defRPr sz="1800" kern="1200">
         <a:solidFill>
           <a:schemeClr val="tx1"/>
@@ -41,7 +41,7 @@
         <a:cs typeface="+mn-cs"/>
       </a:defRPr>
     </a:lvl2pPr>
-    <a:lvl3pPr marL="914400" algn="l" defTabSz="914400" rtl="0" eaLnBrk="1" latinLnBrk="0" hangingPunct="1">
+    <a:lvl3pPr marL="914400" algn="l" defTabSz="457200" rtl="0" eaLnBrk="1" latinLnBrk="0" hangingPunct="1">
       <a:defRPr sz="1800" kern="1200">
         <a:solidFill>
           <a:schemeClr val="tx1"/>
@@ -51,7 +51,7 @@
         <a:cs typeface="+mn-cs"/>
       </a:defRPr>
     </a:lvl3pPr>
-    <a:lvl4pPr marL="1371600" algn="l" defTabSz="914400" rtl="0" eaLnBrk="1" latinLnBrk="0" hangingPunct="1">
+    <a:lvl4pPr marL="1371600" algn="l" defTabSz="457200" rtl="0" eaLnBrk="1" latinLnBrk="0" hangingPunct="1">
       <a:defRPr sz="1800" kern="1200">
         <a:solidFill>
           <a:schemeClr val="tx1"/>
@@ -61,7 +61,7 @@
         <a:cs typeface="+mn-cs"/>
       </a:defRPr>
     </a:lvl4pPr>
-    <a:lvl5pPr marL="1828800" algn="l" defTabSz="914400" rtl="0" eaLnBrk="1" latinLnBrk="0" hangingPunct="1">
+    <a:lvl5pPr marL="1828800" algn="l" defTabSz="457200" rtl="0" eaLnBrk="1" latinLnBrk="0" hangingPunct="1">
       <a:defRPr sz="1800" kern="1200">
         <a:solidFill>
           <a:schemeClr val="tx1"/>
@@ -71,7 +71,7 @@
         <a:cs typeface="+mn-cs"/>
       </a:defRPr>
     </a:lvl5pPr>
-    <a:lvl6pPr marL="2286000" algn="l" defTabSz="914400" rtl="0" eaLnBrk="1" latinLnBrk="0" hangingPunct="1">
+    <a:lvl6pPr marL="2286000" algn="l" defTabSz="457200" rtl="0" eaLnBrk="1" latinLnBrk="0" hangingPunct="1">
       <a:defRPr sz="1800" kern="1200">
         <a:solidFill>
           <a:schemeClr val="tx1"/>
@@ -81,7 +81,7 @@
         <a:cs typeface="+mn-cs"/>
       </a:defRPr>
     </a:lvl6pPr>
-    <a:lvl7pPr marL="2743200" algn="l" defTabSz="914400" rtl="0" eaLnBrk="1" latinLnBrk="0" hangingPunct="1">
+    <a:lvl7pPr marL="2743200" algn="l" defTabSz="457200" rtl="0" eaLnBrk="1" latinLnBrk="0" hangingPunct="1">
       <a:defRPr sz="1800" kern="1200">
         <a:solidFill>
           <a:schemeClr val="tx1"/>
@@ -91,7 +91,7 @@
         <a:cs typeface="+mn-cs"/>
       </a:defRPr>
     </a:lvl7pPr>
-    <a:lvl8pPr marL="3200400" algn="l" defTabSz="914400" rtl="0" eaLnBrk="1" latinLnBrk="0" hangingPunct="1">
+    <a:lvl8pPr marL="3200400" algn="l" defTabSz="457200" rtl="0" eaLnBrk="1" latinLnBrk="0" hangingPunct="1">
       <a:defRPr sz="1800" kern="1200">
         <a:solidFill>
           <a:schemeClr val="tx1"/>
@@ -101,7 +101,7 @@
         <a:cs typeface="+mn-cs"/>
       </a:defRPr>
     </a:lvl8pPr>
-    <a:lvl9pPr marL="3657600" algn="l" defTabSz="914400" rtl="0" eaLnBrk="1" latinLnBrk="0" hangingPunct="1">
+    <a:lvl9pPr marL="3657600" algn="l" defTabSz="457200" rtl="0" eaLnBrk="1" latinLnBrk="0" hangingPunct="1">
       <a:defRPr sz="1800" kern="1200">
         <a:solidFill>
           <a:schemeClr val="tx1"/>
@@ -139,13 +139,7 @@
       </p:grpSpPr>
       <p:sp>
         <p:nvSpPr>
-          <p:cNvPr id="2" name="Title 1">
-            <a:extLst>
-              <a:ext uri="{FF2B5EF4-FFF2-40B4-BE49-F238E27FC236}">
-                <a16:creationId xmlns:a16="http://schemas.microsoft.com/office/drawing/2014/main" id="{94E3EA71-9EF1-77F7-20DA-2CDAAF0AB1C3}"/>
-              </a:ext>
-            </a:extLst>
-          </p:cNvPr>
+          <p:cNvPr id="2" name="Title 1"/>
           <p:cNvSpPr>
             <a:spLocks noGrp="1"/>
           </p:cNvSpPr>
@@ -155,15 +149,17 @@
         </p:nvSpPr>
         <p:spPr>
           <a:xfrm>
-            <a:off x="1524000" y="1122363"/>
-            <a:ext cx="9144000" cy="2387600"/>
+            <a:off x="2417779" y="802298"/>
+            <a:ext cx="8637073" cy="2541431"/>
           </a:xfrm>
         </p:spPr>
         <p:txBody>
-          <a:bodyPr anchor="b"/>
+          <a:bodyPr bIns="0" anchor="b">
+            <a:normAutofit/>
+          </a:bodyPr>
           <a:lstStyle>
-            <a:lvl1pPr algn="ctr">
-              <a:defRPr sz="6000"/>
+            <a:lvl1pPr algn="l">
+              <a:defRPr sz="6600"/>
             </a:lvl1pPr>
           </a:lstStyle>
           <a:p>
@@ -171,18 +167,13 @@
               <a:rPr lang="en-US"/>
               <a:t>Click to edit Master title style</a:t>
             </a:r>
-          </a:p>
-        </p:txBody>
-      </p:sp>
-      <p:sp>
-        <p:nvSpPr>
-          <p:cNvPr id="3" name="Subtitle 2">
-            <a:extLst>
-              <a:ext uri="{FF2B5EF4-FFF2-40B4-BE49-F238E27FC236}">
-                <a16:creationId xmlns:a16="http://schemas.microsoft.com/office/drawing/2014/main" id="{AAE86F34-DA8E-513E-6A42-67971921F163}"/>
-              </a:ext>
-            </a:extLst>
-          </p:cNvPr>
+            <a:endParaRPr lang="en-US" dirty="0"/>
+          </a:p>
+        </p:txBody>
+      </p:sp>
+      <p:sp>
+        <p:nvSpPr>
+          <p:cNvPr id="3" name="Subtitle 2"/>
           <p:cNvSpPr>
             <a:spLocks noGrp="1"/>
           </p:cNvSpPr>
@@ -192,20 +183,26 @@
         </p:nvSpPr>
         <p:spPr>
           <a:xfrm>
-            <a:off x="1524000" y="3602038"/>
-            <a:ext cx="9144000" cy="1655762"/>
+            <a:off x="2417780" y="3531204"/>
+            <a:ext cx="8637072" cy="977621"/>
           </a:xfrm>
         </p:spPr>
         <p:txBody>
-          <a:bodyPr/>
+          <a:bodyPr tIns="91440" bIns="91440">
+            <a:normAutofit/>
+          </a:bodyPr>
           <a:lstStyle>
-            <a:lvl1pPr marL="0" indent="0" algn="ctr">
-              <a:buNone/>
-              <a:defRPr sz="2400"/>
+            <a:lvl1pPr marL="0" indent="0" algn="l">
+              <a:buNone/>
+              <a:defRPr sz="1800" b="0" cap="all" baseline="0">
+                <a:solidFill>
+                  <a:schemeClr val="tx1"/>
+                </a:solidFill>
+              </a:defRPr>
             </a:lvl1pPr>
             <a:lvl2pPr marL="457200" indent="0" algn="ctr">
               <a:buNone/>
-              <a:defRPr sz="2000"/>
+              <a:defRPr sz="1800"/>
             </a:lvl2pPr>
             <a:lvl3pPr marL="914400" indent="0" algn="ctr">
               <a:buNone/>
@@ -241,18 +238,13 @@
               <a:rPr lang="en-US"/>
               <a:t>Click to edit Master subtitle style</a:t>
             </a:r>
-          </a:p>
-        </p:txBody>
-      </p:sp>
-      <p:sp>
-        <p:nvSpPr>
-          <p:cNvPr id="4" name="Date Placeholder 3">
-            <a:extLst>
-              <a:ext uri="{FF2B5EF4-FFF2-40B4-BE49-F238E27FC236}">
-                <a16:creationId xmlns:a16="http://schemas.microsoft.com/office/drawing/2014/main" id="{DD7AD56D-B96F-0868-4DC4-2E3C0391FC2D}"/>
-              </a:ext>
-            </a:extLst>
-          </p:cNvPr>
+            <a:endParaRPr lang="en-US" dirty="0"/>
+          </a:p>
+        </p:txBody>
+      </p:sp>
+      <p:sp>
+        <p:nvSpPr>
+          <p:cNvPr id="4" name="Date Placeholder 3"/>
           <p:cNvSpPr>
             <a:spLocks noGrp="1"/>
           </p:cNvSpPr>
@@ -275,13 +267,7 @@
       </p:sp>
       <p:sp>
         <p:nvSpPr>
-          <p:cNvPr id="5" name="Footer Placeholder 4">
-            <a:extLst>
-              <a:ext uri="{FF2B5EF4-FFF2-40B4-BE49-F238E27FC236}">
-                <a16:creationId xmlns:a16="http://schemas.microsoft.com/office/drawing/2014/main" id="{586C2AA2-517A-1060-B211-D430A40AD84D}"/>
-              </a:ext>
-            </a:extLst>
-          </p:cNvPr>
+          <p:cNvPr id="5" name="Footer Placeholder 4"/>
           <p:cNvSpPr>
             <a:spLocks noGrp="1"/>
           </p:cNvSpPr>
@@ -289,7 +275,12 @@
             <p:ph type="ftr" sz="quarter" idx="11"/>
           </p:nvPr>
         </p:nvSpPr>
-        <p:spPr/>
+        <p:spPr>
+          <a:xfrm>
+            <a:off x="2416500" y="329307"/>
+            <a:ext cx="4973915" cy="309201"/>
+          </a:xfrm>
+        </p:spPr>
         <p:txBody>
           <a:bodyPr/>
           <a:lstStyle/>
@@ -300,13 +291,7 @@
       </p:sp>
       <p:sp>
         <p:nvSpPr>
-          <p:cNvPr id="6" name="Slide Number Placeholder 5">
-            <a:extLst>
-              <a:ext uri="{FF2B5EF4-FFF2-40B4-BE49-F238E27FC236}">
-                <a16:creationId xmlns:a16="http://schemas.microsoft.com/office/drawing/2014/main" id="{BC1AE9FE-4396-5DE8-A8C4-B6DFE79F5375}"/>
-              </a:ext>
-            </a:extLst>
-          </p:cNvPr>
+          <p:cNvPr id="6" name="Slide Number Placeholder 5"/>
           <p:cNvSpPr>
             <a:spLocks noGrp="1"/>
           </p:cNvSpPr>
@@ -314,7 +299,12 @@
             <p:ph type="sldNum" sz="quarter" idx="12"/>
           </p:nvPr>
         </p:nvSpPr>
-        <p:spPr/>
+        <p:spPr>
+          <a:xfrm>
+            <a:off x="1437664" y="798973"/>
+            <a:ext cx="811019" cy="503578"/>
+          </a:xfrm>
+        </p:spPr>
         <p:txBody>
           <a:bodyPr/>
           <a:lstStyle/>
@@ -327,10 +317,41 @@
           </a:p>
         </p:txBody>
       </p:sp>
+      <p:cxnSp>
+        <p:nvCxnSpPr>
+          <p:cNvPr id="15" name="Straight Connector 14"/>
+          <p:cNvCxnSpPr/>
+          <p:nvPr/>
+        </p:nvCxnSpPr>
+        <p:spPr>
+          <a:xfrm>
+            <a:off x="2417780" y="3528542"/>
+            <a:ext cx="8637072" cy="0"/>
+          </a:xfrm>
+          <a:prstGeom prst="line">
+            <a:avLst/>
+          </a:prstGeom>
+          <a:ln w="31750"/>
+        </p:spPr>
+        <p:style>
+          <a:lnRef idx="3">
+            <a:schemeClr val="accent1"/>
+          </a:lnRef>
+          <a:fillRef idx="0">
+            <a:schemeClr val="accent1"/>
+          </a:fillRef>
+          <a:effectRef idx="2">
+            <a:schemeClr val="accent1"/>
+          </a:effectRef>
+          <a:fontRef idx="minor">
+            <a:schemeClr val="tx1"/>
+          </a:fontRef>
+        </p:style>
+      </p:cxnSp>
     </p:spTree>
     <p:extLst>
       <p:ext uri="{BB962C8B-B14F-4D97-AF65-F5344CB8AC3E}">
-        <p14:creationId xmlns:p14="http://schemas.microsoft.com/office/powerpoint/2010/main" val="674297606"/>
+        <p14:creationId xmlns:p14="http://schemas.microsoft.com/office/powerpoint/2010/main" val="1493569173"/>
       </p:ext>
     </p:extLst>
   </p:cSld>
@@ -359,13 +380,7 @@
       </p:grpSpPr>
       <p:sp>
         <p:nvSpPr>
-          <p:cNvPr id="2" name="Title 1">
-            <a:extLst>
-              <a:ext uri="{FF2B5EF4-FFF2-40B4-BE49-F238E27FC236}">
-                <a16:creationId xmlns:a16="http://schemas.microsoft.com/office/drawing/2014/main" id="{70DFEE30-CEA5-9DB3-0E5A-FC5AE7323DE4}"/>
-              </a:ext>
-            </a:extLst>
-          </p:cNvPr>
+          <p:cNvPr id="2" name="Title 1"/>
           <p:cNvSpPr>
             <a:spLocks noGrp="1"/>
           </p:cNvSpPr>
@@ -382,18 +397,13 @@
               <a:rPr lang="en-US"/>
               <a:t>Click to edit Master title style</a:t>
             </a:r>
-          </a:p>
-        </p:txBody>
-      </p:sp>
-      <p:sp>
-        <p:nvSpPr>
-          <p:cNvPr id="3" name="Vertical Text Placeholder 2">
-            <a:extLst>
-              <a:ext uri="{FF2B5EF4-FFF2-40B4-BE49-F238E27FC236}">
-                <a16:creationId xmlns:a16="http://schemas.microsoft.com/office/drawing/2014/main" id="{53B200B8-210D-2665-794C-C7DA62F97907}"/>
-              </a:ext>
-            </a:extLst>
-          </p:cNvPr>
+            <a:endParaRPr lang="en-US" dirty="0"/>
+          </a:p>
+        </p:txBody>
+      </p:sp>
+      <p:sp>
+        <p:nvSpPr>
+          <p:cNvPr id="3" name="Vertical Text Placeholder 2"/>
           <p:cNvSpPr>
             <a:spLocks noGrp="1"/>
           </p:cNvSpPr>
@@ -439,18 +449,13 @@
               <a:rPr lang="en-US"/>
               <a:t>Fifth level</a:t>
             </a:r>
-          </a:p>
-        </p:txBody>
-      </p:sp>
-      <p:sp>
-        <p:nvSpPr>
-          <p:cNvPr id="4" name="Date Placeholder 3">
-            <a:extLst>
-              <a:ext uri="{FF2B5EF4-FFF2-40B4-BE49-F238E27FC236}">
-                <a16:creationId xmlns:a16="http://schemas.microsoft.com/office/drawing/2014/main" id="{AD49C1EB-4588-2C87-8F48-B1C2CF054385}"/>
-              </a:ext>
-            </a:extLst>
-          </p:cNvPr>
+            <a:endParaRPr lang="en-US" dirty="0"/>
+          </a:p>
+        </p:txBody>
+      </p:sp>
+      <p:sp>
+        <p:nvSpPr>
+          <p:cNvPr id="4" name="Date Placeholder 3"/>
           <p:cNvSpPr>
             <a:spLocks noGrp="1"/>
           </p:cNvSpPr>
@@ -473,13 +478,7 @@
       </p:sp>
       <p:sp>
         <p:nvSpPr>
-          <p:cNvPr id="5" name="Footer Placeholder 4">
-            <a:extLst>
-              <a:ext uri="{FF2B5EF4-FFF2-40B4-BE49-F238E27FC236}">
-                <a16:creationId xmlns:a16="http://schemas.microsoft.com/office/drawing/2014/main" id="{0DD9BCF0-E5CB-13E8-3019-37794C814ABA}"/>
-              </a:ext>
-            </a:extLst>
-          </p:cNvPr>
+          <p:cNvPr id="5" name="Footer Placeholder 4"/>
           <p:cNvSpPr>
             <a:spLocks noGrp="1"/>
           </p:cNvSpPr>
@@ -498,13 +497,7 @@
       </p:sp>
       <p:sp>
         <p:nvSpPr>
-          <p:cNvPr id="6" name="Slide Number Placeholder 5">
-            <a:extLst>
-              <a:ext uri="{FF2B5EF4-FFF2-40B4-BE49-F238E27FC236}">
-                <a16:creationId xmlns:a16="http://schemas.microsoft.com/office/drawing/2014/main" id="{A4FB4A87-FC86-7FCC-2F8D-B2F848AA030A}"/>
-              </a:ext>
-            </a:extLst>
-          </p:cNvPr>
+          <p:cNvPr id="6" name="Slide Number Placeholder 5"/>
           <p:cNvSpPr>
             <a:spLocks noGrp="1"/>
           </p:cNvSpPr>
@@ -525,10 +518,41 @@
           </a:p>
         </p:txBody>
       </p:sp>
+      <p:cxnSp>
+        <p:nvCxnSpPr>
+          <p:cNvPr id="26" name="Straight Connector 25"/>
+          <p:cNvCxnSpPr/>
+          <p:nvPr/>
+        </p:nvCxnSpPr>
+        <p:spPr>
+          <a:xfrm>
+            <a:off x="1453896" y="1847088"/>
+            <a:ext cx="9607522" cy="0"/>
+          </a:xfrm>
+          <a:prstGeom prst="line">
+            <a:avLst/>
+          </a:prstGeom>
+          <a:ln w="31750"/>
+        </p:spPr>
+        <p:style>
+          <a:lnRef idx="3">
+            <a:schemeClr val="accent1"/>
+          </a:lnRef>
+          <a:fillRef idx="0">
+            <a:schemeClr val="accent1"/>
+          </a:fillRef>
+          <a:effectRef idx="2">
+            <a:schemeClr val="accent1"/>
+          </a:effectRef>
+          <a:fontRef idx="minor">
+            <a:schemeClr val="tx1"/>
+          </a:fontRef>
+        </p:style>
+      </p:cxnSp>
     </p:spTree>
     <p:extLst>
       <p:ext uri="{BB962C8B-B14F-4D97-AF65-F5344CB8AC3E}">
-        <p14:creationId xmlns:p14="http://schemas.microsoft.com/office/powerpoint/2010/main" val="2600015048"/>
+        <p14:creationId xmlns:p14="http://schemas.microsoft.com/office/powerpoint/2010/main" val="3621511010"/>
       </p:ext>
     </p:extLst>
   </p:cSld>
@@ -557,13 +581,7 @@
       </p:grpSpPr>
       <p:sp>
         <p:nvSpPr>
-          <p:cNvPr id="2" name="Vertical Title 1">
-            <a:extLst>
-              <a:ext uri="{FF2B5EF4-FFF2-40B4-BE49-F238E27FC236}">
-                <a16:creationId xmlns:a16="http://schemas.microsoft.com/office/drawing/2014/main" id="{73E90156-CCD6-619A-9E99-8B301A490A37}"/>
-              </a:ext>
-            </a:extLst>
-          </p:cNvPr>
+          <p:cNvPr id="2" name="Vertical Title 1"/>
           <p:cNvSpPr>
             <a:spLocks noGrp="1"/>
           </p:cNvSpPr>
@@ -573,30 +591,29 @@
         </p:nvSpPr>
         <p:spPr>
           <a:xfrm>
-            <a:off x="8724900" y="365125"/>
-            <a:ext cx="2628900" cy="5811838"/>
+            <a:off x="9439111" y="798973"/>
+            <a:ext cx="1615742" cy="4659889"/>
           </a:xfrm>
         </p:spPr>
         <p:txBody>
           <a:bodyPr vert="eaVert"/>
-          <a:lstStyle/>
+          <a:lstStyle>
+            <a:lvl1pPr algn="l">
+              <a:defRPr/>
+            </a:lvl1pPr>
+          </a:lstStyle>
           <a:p>
             <a:r>
               <a:rPr lang="en-US"/>
               <a:t>Click to edit Master title style</a:t>
             </a:r>
-          </a:p>
-        </p:txBody>
-      </p:sp>
-      <p:sp>
-        <p:nvSpPr>
-          <p:cNvPr id="3" name="Vertical Text Placeholder 2">
-            <a:extLst>
-              <a:ext uri="{FF2B5EF4-FFF2-40B4-BE49-F238E27FC236}">
-                <a16:creationId xmlns:a16="http://schemas.microsoft.com/office/drawing/2014/main" id="{C3E4BD53-6386-9E0D-C6E0-97D61F453AA0}"/>
-              </a:ext>
-            </a:extLst>
-          </p:cNvPr>
+            <a:endParaRPr lang="en-US" dirty="0"/>
+          </a:p>
+        </p:txBody>
+      </p:sp>
+      <p:sp>
+        <p:nvSpPr>
+          <p:cNvPr id="3" name="Vertical Text Placeholder 2"/>
           <p:cNvSpPr>
             <a:spLocks noGrp="1"/>
           </p:cNvSpPr>
@@ -606,8 +623,8 @@
         </p:nvSpPr>
         <p:spPr>
           <a:xfrm>
-            <a:off x="838200" y="365125"/>
-            <a:ext cx="7734300" cy="5811838"/>
+            <a:off x="1444672" y="798973"/>
+            <a:ext cx="7828830" cy="4659889"/>
           </a:xfrm>
         </p:spPr>
         <p:txBody>
@@ -647,18 +664,13 @@
               <a:rPr lang="en-US"/>
               <a:t>Fifth level</a:t>
             </a:r>
-          </a:p>
-        </p:txBody>
-      </p:sp>
-      <p:sp>
-        <p:nvSpPr>
-          <p:cNvPr id="4" name="Date Placeholder 3">
-            <a:extLst>
-              <a:ext uri="{FF2B5EF4-FFF2-40B4-BE49-F238E27FC236}">
-                <a16:creationId xmlns:a16="http://schemas.microsoft.com/office/drawing/2014/main" id="{2228B149-0D23-4A78-E962-744DCB5FAB03}"/>
-              </a:ext>
-            </a:extLst>
-          </p:cNvPr>
+            <a:endParaRPr lang="en-US" dirty="0"/>
+          </a:p>
+        </p:txBody>
+      </p:sp>
+      <p:sp>
+        <p:nvSpPr>
+          <p:cNvPr id="4" name="Date Placeholder 3"/>
           <p:cNvSpPr>
             <a:spLocks noGrp="1"/>
           </p:cNvSpPr>
@@ -681,13 +693,7 @@
       </p:sp>
       <p:sp>
         <p:nvSpPr>
-          <p:cNvPr id="5" name="Footer Placeholder 4">
-            <a:extLst>
-              <a:ext uri="{FF2B5EF4-FFF2-40B4-BE49-F238E27FC236}">
-                <a16:creationId xmlns:a16="http://schemas.microsoft.com/office/drawing/2014/main" id="{E5CCF6E8-92E9-48BD-A48E-0BE93A665555}"/>
-              </a:ext>
-            </a:extLst>
-          </p:cNvPr>
+          <p:cNvPr id="5" name="Footer Placeholder 4"/>
           <p:cNvSpPr>
             <a:spLocks noGrp="1"/>
           </p:cNvSpPr>
@@ -706,13 +712,7 @@
       </p:sp>
       <p:sp>
         <p:nvSpPr>
-          <p:cNvPr id="6" name="Slide Number Placeholder 5">
-            <a:extLst>
-              <a:ext uri="{FF2B5EF4-FFF2-40B4-BE49-F238E27FC236}">
-                <a16:creationId xmlns:a16="http://schemas.microsoft.com/office/drawing/2014/main" id="{0D902BC1-EB9E-61E4-2054-2EEBB916C6F8}"/>
-              </a:ext>
-            </a:extLst>
-          </p:cNvPr>
+          <p:cNvPr id="6" name="Slide Number Placeholder 5"/>
           <p:cNvSpPr>
             <a:spLocks noGrp="1"/>
           </p:cNvSpPr>
@@ -733,10 +733,41 @@
           </a:p>
         </p:txBody>
       </p:sp>
+      <p:cxnSp>
+        <p:nvCxnSpPr>
+          <p:cNvPr id="15" name="Straight Connector 14"/>
+          <p:cNvCxnSpPr/>
+          <p:nvPr/>
+        </p:nvCxnSpPr>
+        <p:spPr>
+          <a:xfrm>
+            <a:off x="9439111" y="798973"/>
+            <a:ext cx="0" cy="4659889"/>
+          </a:xfrm>
+          <a:prstGeom prst="line">
+            <a:avLst/>
+          </a:prstGeom>
+          <a:ln w="31750"/>
+        </p:spPr>
+        <p:style>
+          <a:lnRef idx="3">
+            <a:schemeClr val="accent1"/>
+          </a:lnRef>
+          <a:fillRef idx="0">
+            <a:schemeClr val="accent1"/>
+          </a:fillRef>
+          <a:effectRef idx="2">
+            <a:schemeClr val="accent1"/>
+          </a:effectRef>
+          <a:fontRef idx="minor">
+            <a:schemeClr val="tx1"/>
+          </a:fontRef>
+        </p:style>
+      </p:cxnSp>
     </p:spTree>
     <p:extLst>
       <p:ext uri="{BB962C8B-B14F-4D97-AF65-F5344CB8AC3E}">
-        <p14:creationId xmlns:p14="http://schemas.microsoft.com/office/powerpoint/2010/main" val="308181499"/>
+        <p14:creationId xmlns:p14="http://schemas.microsoft.com/office/powerpoint/2010/main" val="3627870210"/>
       </p:ext>
     </p:extLst>
   </p:cSld>
@@ -765,13 +796,7 @@
       </p:grpSpPr>
       <p:sp>
         <p:nvSpPr>
-          <p:cNvPr id="2" name="Title 1">
-            <a:extLst>
-              <a:ext uri="{FF2B5EF4-FFF2-40B4-BE49-F238E27FC236}">
-                <a16:creationId xmlns:a16="http://schemas.microsoft.com/office/drawing/2014/main" id="{543E5404-3231-F008-4CE3-A4903EA8DFA5}"/>
-              </a:ext>
-            </a:extLst>
-          </p:cNvPr>
+          <p:cNvPr id="2" name="Title 1"/>
           <p:cNvSpPr>
             <a:spLocks noGrp="1"/>
           </p:cNvSpPr>
@@ -788,18 +813,13 @@
               <a:rPr lang="en-US"/>
               <a:t>Click to edit Master title style</a:t>
             </a:r>
-          </a:p>
-        </p:txBody>
-      </p:sp>
-      <p:sp>
-        <p:nvSpPr>
-          <p:cNvPr id="3" name="Content Placeholder 2">
-            <a:extLst>
-              <a:ext uri="{FF2B5EF4-FFF2-40B4-BE49-F238E27FC236}">
-                <a16:creationId xmlns:a16="http://schemas.microsoft.com/office/drawing/2014/main" id="{11D4CF91-ECBE-7354-2A95-6351FE2FB44F}"/>
-              </a:ext>
-            </a:extLst>
-          </p:cNvPr>
+            <a:endParaRPr lang="en-US" dirty="0"/>
+          </a:p>
+        </p:txBody>
+      </p:sp>
+      <p:sp>
+        <p:nvSpPr>
+          <p:cNvPr id="3" name="Content Placeholder 2"/>
           <p:cNvSpPr>
             <a:spLocks noGrp="1"/>
           </p:cNvSpPr>
@@ -809,7 +829,7 @@
         </p:nvSpPr>
         <p:spPr/>
         <p:txBody>
-          <a:bodyPr/>
+          <a:bodyPr anchor="t"/>
           <a:lstStyle/>
           <a:p>
             <a:pPr lvl="0"/>
@@ -845,18 +865,13 @@
               <a:rPr lang="en-US"/>
               <a:t>Fifth level</a:t>
             </a:r>
-          </a:p>
-        </p:txBody>
-      </p:sp>
-      <p:sp>
-        <p:nvSpPr>
-          <p:cNvPr id="4" name="Date Placeholder 3">
-            <a:extLst>
-              <a:ext uri="{FF2B5EF4-FFF2-40B4-BE49-F238E27FC236}">
-                <a16:creationId xmlns:a16="http://schemas.microsoft.com/office/drawing/2014/main" id="{7435948D-6812-AA86-8A23-9206DD78B17F}"/>
-              </a:ext>
-            </a:extLst>
-          </p:cNvPr>
+            <a:endParaRPr lang="en-US" dirty="0"/>
+          </a:p>
+        </p:txBody>
+      </p:sp>
+      <p:sp>
+        <p:nvSpPr>
+          <p:cNvPr id="4" name="Date Placeholder 3"/>
           <p:cNvSpPr>
             <a:spLocks noGrp="1"/>
           </p:cNvSpPr>
@@ -879,13 +894,7 @@
       </p:sp>
       <p:sp>
         <p:nvSpPr>
-          <p:cNvPr id="5" name="Footer Placeholder 4">
-            <a:extLst>
-              <a:ext uri="{FF2B5EF4-FFF2-40B4-BE49-F238E27FC236}">
-                <a16:creationId xmlns:a16="http://schemas.microsoft.com/office/drawing/2014/main" id="{AB9F0B51-7F9B-57A8-1B79-3A1D28E5627F}"/>
-              </a:ext>
-            </a:extLst>
-          </p:cNvPr>
+          <p:cNvPr id="5" name="Footer Placeholder 4"/>
           <p:cNvSpPr>
             <a:spLocks noGrp="1"/>
           </p:cNvSpPr>
@@ -904,13 +913,7 @@
       </p:sp>
       <p:sp>
         <p:nvSpPr>
-          <p:cNvPr id="6" name="Slide Number Placeholder 5">
-            <a:extLst>
-              <a:ext uri="{FF2B5EF4-FFF2-40B4-BE49-F238E27FC236}">
-                <a16:creationId xmlns:a16="http://schemas.microsoft.com/office/drawing/2014/main" id="{E3E6E2FB-81A7-3737-2BE5-B66C9345CD21}"/>
-              </a:ext>
-            </a:extLst>
-          </p:cNvPr>
+          <p:cNvPr id="6" name="Slide Number Placeholder 5"/>
           <p:cNvSpPr>
             <a:spLocks noGrp="1"/>
           </p:cNvSpPr>
@@ -931,10 +934,41 @@
           </a:p>
         </p:txBody>
       </p:sp>
+      <p:cxnSp>
+        <p:nvCxnSpPr>
+          <p:cNvPr id="33" name="Straight Connector 32"/>
+          <p:cNvCxnSpPr/>
+          <p:nvPr/>
+        </p:nvCxnSpPr>
+        <p:spPr>
+          <a:xfrm>
+            <a:off x="1453896" y="1847088"/>
+            <a:ext cx="9607522" cy="0"/>
+          </a:xfrm>
+          <a:prstGeom prst="line">
+            <a:avLst/>
+          </a:prstGeom>
+          <a:ln w="31750"/>
+        </p:spPr>
+        <p:style>
+          <a:lnRef idx="3">
+            <a:schemeClr val="accent1"/>
+          </a:lnRef>
+          <a:fillRef idx="0">
+            <a:schemeClr val="accent1"/>
+          </a:fillRef>
+          <a:effectRef idx="2">
+            <a:schemeClr val="accent1"/>
+          </a:effectRef>
+          <a:fontRef idx="minor">
+            <a:schemeClr val="tx1"/>
+          </a:fontRef>
+        </p:style>
+      </p:cxnSp>
     </p:spTree>
     <p:extLst>
       <p:ext uri="{BB962C8B-B14F-4D97-AF65-F5344CB8AC3E}">
-        <p14:creationId xmlns:p14="http://schemas.microsoft.com/office/powerpoint/2010/main" val="1259649114"/>
+        <p14:creationId xmlns:p14="http://schemas.microsoft.com/office/powerpoint/2010/main" val="3272384444"/>
       </p:ext>
     </p:extLst>
   </p:cSld>
@@ -963,13 +997,7 @@
       </p:grpSpPr>
       <p:sp>
         <p:nvSpPr>
-          <p:cNvPr id="2" name="Title 1">
-            <a:extLst>
-              <a:ext uri="{FF2B5EF4-FFF2-40B4-BE49-F238E27FC236}">
-                <a16:creationId xmlns:a16="http://schemas.microsoft.com/office/drawing/2014/main" id="{B3900FE2-6723-3FB0-36DC-DA21F5EC0F97}"/>
-              </a:ext>
-            </a:extLst>
-          </p:cNvPr>
+          <p:cNvPr id="2" name="Title 1"/>
           <p:cNvSpPr>
             <a:spLocks noGrp="1"/>
           </p:cNvSpPr>
@@ -979,15 +1007,17 @@
         </p:nvSpPr>
         <p:spPr>
           <a:xfrm>
-            <a:off x="831850" y="1709738"/>
-            <a:ext cx="10515600" cy="2852737"/>
+            <a:off x="1454239" y="1756130"/>
+            <a:ext cx="8643154" cy="1887950"/>
           </a:xfrm>
         </p:spPr>
         <p:txBody>
-          <a:bodyPr anchor="b"/>
+          <a:bodyPr anchor="b">
+            <a:normAutofit/>
+          </a:bodyPr>
           <a:lstStyle>
-            <a:lvl1pPr>
-              <a:defRPr sz="6000"/>
+            <a:lvl1pPr algn="l">
+              <a:defRPr sz="3600"/>
             </a:lvl1pPr>
           </a:lstStyle>
           <a:p>
@@ -995,18 +1025,13 @@
               <a:rPr lang="en-US"/>
               <a:t>Click to edit Master title style</a:t>
             </a:r>
-          </a:p>
-        </p:txBody>
-      </p:sp>
-      <p:sp>
-        <p:nvSpPr>
-          <p:cNvPr id="3" name="Text Placeholder 2">
-            <a:extLst>
-              <a:ext uri="{FF2B5EF4-FFF2-40B4-BE49-F238E27FC236}">
-                <a16:creationId xmlns:a16="http://schemas.microsoft.com/office/drawing/2014/main" id="{2CAB522E-675C-FE70-035D-FFD3E5448675}"/>
-              </a:ext>
-            </a:extLst>
-          </p:cNvPr>
+            <a:endParaRPr lang="en-US" dirty="0"/>
+          </a:p>
+        </p:txBody>
+      </p:sp>
+      <p:sp>
+        <p:nvSpPr>
+          <p:cNvPr id="3" name="Text Placeholder 2"/>
           <p:cNvSpPr>
             <a:spLocks noGrp="1"/>
           </p:cNvSpPr>
@@ -1016,26 +1041,26 @@
         </p:nvSpPr>
         <p:spPr>
           <a:xfrm>
-            <a:off x="831850" y="4589463"/>
-            <a:ext cx="10515600" cy="1500187"/>
+            <a:off x="1454239" y="3806195"/>
+            <a:ext cx="8630446" cy="1012929"/>
           </a:xfrm>
         </p:spPr>
         <p:txBody>
-          <a:bodyPr/>
+          <a:bodyPr tIns="91440">
+            <a:normAutofit/>
+          </a:bodyPr>
           <a:lstStyle>
-            <a:lvl1pPr marL="0" indent="0">
-              <a:buNone/>
-              <a:defRPr sz="2400">
+            <a:lvl1pPr marL="0" indent="0" algn="l">
+              <a:buNone/>
+              <a:defRPr sz="1800">
                 <a:solidFill>
-                  <a:schemeClr val="tx1">
-                    <a:tint val="75000"/>
-                  </a:schemeClr>
+                  <a:schemeClr val="tx1"/>
                 </a:solidFill>
               </a:defRPr>
             </a:lvl1pPr>
             <a:lvl2pPr marL="457200" indent="0">
               <a:buNone/>
-              <a:defRPr sz="2000">
+              <a:defRPr sz="1800">
                 <a:solidFill>
                   <a:schemeClr val="tx1">
                     <a:tint val="75000"/>
@@ -1125,13 +1150,7 @@
       </p:sp>
       <p:sp>
         <p:nvSpPr>
-          <p:cNvPr id="4" name="Date Placeholder 3">
-            <a:extLst>
-              <a:ext uri="{FF2B5EF4-FFF2-40B4-BE49-F238E27FC236}">
-                <a16:creationId xmlns:a16="http://schemas.microsoft.com/office/drawing/2014/main" id="{1339B4FA-787A-0E3F-45D9-DB8F07668AA9}"/>
-              </a:ext>
-            </a:extLst>
-          </p:cNvPr>
+          <p:cNvPr id="4" name="Date Placeholder 3"/>
           <p:cNvSpPr>
             <a:spLocks noGrp="1"/>
           </p:cNvSpPr>
@@ -1154,13 +1173,7 @@
       </p:sp>
       <p:sp>
         <p:nvSpPr>
-          <p:cNvPr id="5" name="Footer Placeholder 4">
-            <a:extLst>
-              <a:ext uri="{FF2B5EF4-FFF2-40B4-BE49-F238E27FC236}">
-                <a16:creationId xmlns:a16="http://schemas.microsoft.com/office/drawing/2014/main" id="{FDE74622-ED0C-845B-4BD3-76AFCD6AB781}"/>
-              </a:ext>
-            </a:extLst>
-          </p:cNvPr>
+          <p:cNvPr id="5" name="Footer Placeholder 4"/>
           <p:cNvSpPr>
             <a:spLocks noGrp="1"/>
           </p:cNvSpPr>
@@ -1179,13 +1192,7 @@
       </p:sp>
       <p:sp>
         <p:nvSpPr>
-          <p:cNvPr id="6" name="Slide Number Placeholder 5">
-            <a:extLst>
-              <a:ext uri="{FF2B5EF4-FFF2-40B4-BE49-F238E27FC236}">
-                <a16:creationId xmlns:a16="http://schemas.microsoft.com/office/drawing/2014/main" id="{124E26E8-BCD7-AC59-34EA-FA8151C5EDEB}"/>
-              </a:ext>
-            </a:extLst>
-          </p:cNvPr>
+          <p:cNvPr id="6" name="Slide Number Placeholder 5"/>
           <p:cNvSpPr>
             <a:spLocks noGrp="1"/>
           </p:cNvSpPr>
@@ -1206,10 +1213,41 @@
           </a:p>
         </p:txBody>
       </p:sp>
+      <p:cxnSp>
+        <p:nvCxnSpPr>
+          <p:cNvPr id="15" name="Straight Connector 14"/>
+          <p:cNvCxnSpPr/>
+          <p:nvPr/>
+        </p:nvCxnSpPr>
+        <p:spPr>
+          <a:xfrm>
+            <a:off x="1454239" y="3804985"/>
+            <a:ext cx="8630446" cy="0"/>
+          </a:xfrm>
+          <a:prstGeom prst="line">
+            <a:avLst/>
+          </a:prstGeom>
+          <a:ln w="31750"/>
+        </p:spPr>
+        <p:style>
+          <a:lnRef idx="3">
+            <a:schemeClr val="accent1"/>
+          </a:lnRef>
+          <a:fillRef idx="0">
+            <a:schemeClr val="accent1"/>
+          </a:fillRef>
+          <a:effectRef idx="2">
+            <a:schemeClr val="accent1"/>
+          </a:effectRef>
+          <a:fontRef idx="minor">
+            <a:schemeClr val="tx1"/>
+          </a:fontRef>
+        </p:style>
+      </p:cxnSp>
     </p:spTree>
     <p:extLst>
       <p:ext uri="{BB962C8B-B14F-4D97-AF65-F5344CB8AC3E}">
-        <p14:creationId xmlns:p14="http://schemas.microsoft.com/office/powerpoint/2010/main" val="3561976266"/>
+        <p14:creationId xmlns:p14="http://schemas.microsoft.com/office/powerpoint/2010/main" val="3230264950"/>
       </p:ext>
     </p:extLst>
   </p:cSld>
@@ -1238,114 +1276,46 @@
       </p:grpSpPr>
       <p:sp>
         <p:nvSpPr>
-          <p:cNvPr id="2" name="Title 1">
-            <a:extLst>
-              <a:ext uri="{FF2B5EF4-FFF2-40B4-BE49-F238E27FC236}">
-                <a16:creationId xmlns:a16="http://schemas.microsoft.com/office/drawing/2014/main" id="{EFE8AFE3-DA15-AFD8-1543-0C9B75773A26}"/>
-              </a:ext>
-            </a:extLst>
-          </p:cNvPr>
+          <p:cNvPr id="2" name="Title 1"/>
           <p:cNvSpPr>
             <a:spLocks noGrp="1"/>
           </p:cNvSpPr>
           <p:nvPr>
             <p:ph type="title"/>
-          </p:nvPr>
-        </p:nvSpPr>
-        <p:spPr/>
-        <p:txBody>
-          <a:bodyPr/>
-          <a:lstStyle/>
-          <a:p>
-            <a:r>
-              <a:rPr lang="en-US"/>
-              <a:t>Click to edit Master title style</a:t>
-            </a:r>
-          </a:p>
-        </p:txBody>
-      </p:sp>
-      <p:sp>
-        <p:nvSpPr>
-          <p:cNvPr id="3" name="Content Placeholder 2">
-            <a:extLst>
-              <a:ext uri="{FF2B5EF4-FFF2-40B4-BE49-F238E27FC236}">
-                <a16:creationId xmlns:a16="http://schemas.microsoft.com/office/drawing/2014/main" id="{ECDD1C76-8F59-52F1-560F-9352B6A4261A}"/>
-              </a:ext>
-            </a:extLst>
-          </p:cNvPr>
-          <p:cNvSpPr>
-            <a:spLocks noGrp="1"/>
-          </p:cNvSpPr>
-          <p:nvPr>
-            <p:ph sz="half" idx="1"/>
           </p:nvPr>
         </p:nvSpPr>
         <p:spPr>
           <a:xfrm>
-            <a:off x="838200" y="1825625"/>
-            <a:ext cx="5181600" cy="4351338"/>
+            <a:off x="1449217" y="804889"/>
+            <a:ext cx="9605635" cy="1059305"/>
           </a:xfrm>
         </p:spPr>
         <p:txBody>
           <a:bodyPr/>
           <a:lstStyle/>
           <a:p>
-            <a:pPr lvl="0"/>
-            <a:r>
-              <a:rPr lang="en-US"/>
-              <a:t>Click to edit Master text styles</a:t>
-            </a:r>
-          </a:p>
-          <a:p>
-            <a:pPr lvl="1"/>
-            <a:r>
-              <a:rPr lang="en-US"/>
-              <a:t>Second level</a:t>
-            </a:r>
-          </a:p>
-          <a:p>
-            <a:pPr lvl="2"/>
-            <a:r>
-              <a:rPr lang="en-US"/>
-              <a:t>Third level</a:t>
-            </a:r>
-          </a:p>
-          <a:p>
-            <a:pPr lvl="3"/>
-            <a:r>
-              <a:rPr lang="en-US"/>
-              <a:t>Fourth level</a:t>
-            </a:r>
-          </a:p>
-          <a:p>
-            <a:pPr lvl="4"/>
-            <a:r>
-              <a:rPr lang="en-US"/>
-              <a:t>Fifth level</a:t>
-            </a:r>
-          </a:p>
-        </p:txBody>
-      </p:sp>
-      <p:sp>
-        <p:nvSpPr>
-          <p:cNvPr id="4" name="Content Placeholder 3">
-            <a:extLst>
-              <a:ext uri="{FF2B5EF4-FFF2-40B4-BE49-F238E27FC236}">
-                <a16:creationId xmlns:a16="http://schemas.microsoft.com/office/drawing/2014/main" id="{5FFC9C56-1531-88A9-0FA1-43FB268E5979}"/>
-              </a:ext>
-            </a:extLst>
-          </p:cNvPr>
-          <p:cNvSpPr>
-            <a:spLocks noGrp="1"/>
-          </p:cNvSpPr>
-          <p:nvPr>
-            <p:ph sz="half" idx="2"/>
+            <a:r>
+              <a:rPr lang="en-US"/>
+              <a:t>Click to edit Master title style</a:t>
+            </a:r>
+            <a:endParaRPr lang="en-US" dirty="0"/>
+          </a:p>
+        </p:txBody>
+      </p:sp>
+      <p:sp>
+        <p:nvSpPr>
+          <p:cNvPr id="3" name="Content Placeholder 2"/>
+          <p:cNvSpPr>
+            <a:spLocks noGrp="1"/>
+          </p:cNvSpPr>
+          <p:nvPr>
+            <p:ph sz="half" idx="1"/>
           </p:nvPr>
         </p:nvSpPr>
         <p:spPr>
           <a:xfrm>
-            <a:off x="6172200" y="1825625"/>
-            <a:ext cx="5181600" cy="4351338"/>
+            <a:off x="1447331" y="2010878"/>
+            <a:ext cx="4645152" cy="3448595"/>
           </a:xfrm>
         </p:spPr>
         <p:txBody>
@@ -1385,18 +1355,70 @@
               <a:rPr lang="en-US"/>
               <a:t>Fifth level</a:t>
             </a:r>
-          </a:p>
-        </p:txBody>
-      </p:sp>
-      <p:sp>
-        <p:nvSpPr>
-          <p:cNvPr id="5" name="Date Placeholder 4">
-            <a:extLst>
-              <a:ext uri="{FF2B5EF4-FFF2-40B4-BE49-F238E27FC236}">
-                <a16:creationId xmlns:a16="http://schemas.microsoft.com/office/drawing/2014/main" id="{57E444C5-9959-62DE-BF39-F2F0A722EDCC}"/>
-              </a:ext>
-            </a:extLst>
-          </p:cNvPr>
+            <a:endParaRPr lang="en-US" dirty="0"/>
+          </a:p>
+        </p:txBody>
+      </p:sp>
+      <p:sp>
+        <p:nvSpPr>
+          <p:cNvPr id="4" name="Content Placeholder 3"/>
+          <p:cNvSpPr>
+            <a:spLocks noGrp="1"/>
+          </p:cNvSpPr>
+          <p:nvPr>
+            <p:ph sz="half" idx="2"/>
+          </p:nvPr>
+        </p:nvSpPr>
+        <p:spPr>
+          <a:xfrm>
+            <a:off x="6413771" y="2017343"/>
+            <a:ext cx="4645152" cy="3441520"/>
+          </a:xfrm>
+        </p:spPr>
+        <p:txBody>
+          <a:bodyPr/>
+          <a:lstStyle/>
+          <a:p>
+            <a:pPr lvl="0"/>
+            <a:r>
+              <a:rPr lang="en-US"/>
+              <a:t>Click to edit Master text styles</a:t>
+            </a:r>
+          </a:p>
+          <a:p>
+            <a:pPr lvl="1"/>
+            <a:r>
+              <a:rPr lang="en-US"/>
+              <a:t>Second level</a:t>
+            </a:r>
+          </a:p>
+          <a:p>
+            <a:pPr lvl="2"/>
+            <a:r>
+              <a:rPr lang="en-US"/>
+              <a:t>Third level</a:t>
+            </a:r>
+          </a:p>
+          <a:p>
+            <a:pPr lvl="3"/>
+            <a:r>
+              <a:rPr lang="en-US"/>
+              <a:t>Fourth level</a:t>
+            </a:r>
+          </a:p>
+          <a:p>
+            <a:pPr lvl="4"/>
+            <a:r>
+              <a:rPr lang="en-US"/>
+              <a:t>Fifth level</a:t>
+            </a:r>
+            <a:endParaRPr lang="en-US" dirty="0"/>
+          </a:p>
+        </p:txBody>
+      </p:sp>
+      <p:sp>
+        <p:nvSpPr>
+          <p:cNvPr id="5" name="Date Placeholder 4"/>
           <p:cNvSpPr>
             <a:spLocks noGrp="1"/>
           </p:cNvSpPr>
@@ -1419,13 +1441,7 @@
       </p:sp>
       <p:sp>
         <p:nvSpPr>
-          <p:cNvPr id="6" name="Footer Placeholder 5">
-            <a:extLst>
-              <a:ext uri="{FF2B5EF4-FFF2-40B4-BE49-F238E27FC236}">
-                <a16:creationId xmlns:a16="http://schemas.microsoft.com/office/drawing/2014/main" id="{6D215817-E59D-81FA-760A-27827CC8BD36}"/>
-              </a:ext>
-            </a:extLst>
-          </p:cNvPr>
+          <p:cNvPr id="6" name="Footer Placeholder 5"/>
           <p:cNvSpPr>
             <a:spLocks noGrp="1"/>
           </p:cNvSpPr>
@@ -1444,13 +1460,7 @@
       </p:sp>
       <p:sp>
         <p:nvSpPr>
-          <p:cNvPr id="7" name="Slide Number Placeholder 6">
-            <a:extLst>
-              <a:ext uri="{FF2B5EF4-FFF2-40B4-BE49-F238E27FC236}">
-                <a16:creationId xmlns:a16="http://schemas.microsoft.com/office/drawing/2014/main" id="{05A9B59B-BE3B-DA36-0B9A-2B65ECCE81C2}"/>
-              </a:ext>
-            </a:extLst>
-          </p:cNvPr>
+          <p:cNvPr id="7" name="Slide Number Placeholder 6"/>
           <p:cNvSpPr>
             <a:spLocks noGrp="1"/>
           </p:cNvSpPr>
@@ -1471,10 +1481,41 @@
           </a:p>
         </p:txBody>
       </p:sp>
+      <p:cxnSp>
+        <p:nvCxnSpPr>
+          <p:cNvPr id="35" name="Straight Connector 34"/>
+          <p:cNvCxnSpPr/>
+          <p:nvPr/>
+        </p:nvCxnSpPr>
+        <p:spPr>
+          <a:xfrm>
+            <a:off x="1453896" y="1847088"/>
+            <a:ext cx="9607522" cy="0"/>
+          </a:xfrm>
+          <a:prstGeom prst="line">
+            <a:avLst/>
+          </a:prstGeom>
+          <a:ln w="31750"/>
+        </p:spPr>
+        <p:style>
+          <a:lnRef idx="3">
+            <a:schemeClr val="accent1"/>
+          </a:lnRef>
+          <a:fillRef idx="0">
+            <a:schemeClr val="accent1"/>
+          </a:fillRef>
+          <a:effectRef idx="2">
+            <a:schemeClr val="accent1"/>
+          </a:effectRef>
+          <a:fontRef idx="minor">
+            <a:schemeClr val="tx1"/>
+          </a:fontRef>
+        </p:style>
+      </p:cxnSp>
     </p:spTree>
     <p:extLst>
       <p:ext uri="{BB962C8B-B14F-4D97-AF65-F5344CB8AC3E}">
-        <p14:creationId xmlns:p14="http://schemas.microsoft.com/office/powerpoint/2010/main" val="2110865015"/>
+        <p14:creationId xmlns:p14="http://schemas.microsoft.com/office/powerpoint/2010/main" val="701424919"/>
       </p:ext>
     </p:extLst>
   </p:cSld>
@@ -1503,13 +1544,7 @@
       </p:grpSpPr>
       <p:sp>
         <p:nvSpPr>
-          <p:cNvPr id="2" name="Title 1">
-            <a:extLst>
-              <a:ext uri="{FF2B5EF4-FFF2-40B4-BE49-F238E27FC236}">
-                <a16:creationId xmlns:a16="http://schemas.microsoft.com/office/drawing/2014/main" id="{C67BB646-6A5D-4795-79FD-1A74030FC6F9}"/>
-              </a:ext>
-            </a:extLst>
-          </p:cNvPr>
+          <p:cNvPr id="2" name="Title 1"/>
           <p:cNvSpPr>
             <a:spLocks noGrp="1"/>
           </p:cNvSpPr>
@@ -1519,8 +1554,8 @@
         </p:nvSpPr>
         <p:spPr>
           <a:xfrm>
-            <a:off x="839788" y="365125"/>
-            <a:ext cx="10515600" cy="1325563"/>
+            <a:off x="1447191" y="804163"/>
+            <a:ext cx="9607661" cy="1056319"/>
           </a:xfrm>
         </p:spPr>
         <p:txBody>
@@ -1531,18 +1566,13 @@
               <a:rPr lang="en-US"/>
               <a:t>Click to edit Master title style</a:t>
             </a:r>
-          </a:p>
-        </p:txBody>
-      </p:sp>
-      <p:sp>
-        <p:nvSpPr>
-          <p:cNvPr id="3" name="Text Placeholder 2">
-            <a:extLst>
-              <a:ext uri="{FF2B5EF4-FFF2-40B4-BE49-F238E27FC236}">
-                <a16:creationId xmlns:a16="http://schemas.microsoft.com/office/drawing/2014/main" id="{6978D8E4-7A21-F3BA-AEB0-BF7B3DB912FB}"/>
-              </a:ext>
-            </a:extLst>
-          </p:cNvPr>
+            <a:endParaRPr lang="en-US" dirty="0"/>
+          </a:p>
+        </p:txBody>
+      </p:sp>
+      <p:sp>
+        <p:nvSpPr>
+          <p:cNvPr id="3" name="Text Placeholder 2"/>
           <p:cNvSpPr>
             <a:spLocks noGrp="1"/>
           </p:cNvSpPr>
@@ -1552,16 +1582,25 @@
         </p:nvSpPr>
         <p:spPr>
           <a:xfrm>
-            <a:off x="839788" y="1681163"/>
-            <a:ext cx="5157787" cy="823912"/>
+            <a:off x="1447191" y="2019549"/>
+            <a:ext cx="4645152" cy="801943"/>
           </a:xfrm>
         </p:spPr>
         <p:txBody>
-          <a:bodyPr anchor="b"/>
+          <a:bodyPr anchor="b">
+            <a:normAutofit/>
+          </a:bodyPr>
           <a:lstStyle>
             <a:lvl1pPr marL="0" indent="0">
-              <a:buNone/>
-              <a:defRPr sz="2400" b="1"/>
+              <a:lnSpc>
+                <a:spcPct val="100000"/>
+              </a:lnSpc>
+              <a:buNone/>
+              <a:defRPr sz="2200" b="0" cap="all" baseline="0">
+                <a:solidFill>
+                  <a:schemeClr val="accent1"/>
+                </a:solidFill>
+              </a:defRPr>
             </a:lvl1pPr>
             <a:lvl2pPr marL="457200" indent="0">
               <a:buNone/>
@@ -1607,13 +1646,7 @@
       </p:sp>
       <p:sp>
         <p:nvSpPr>
-          <p:cNvPr id="4" name="Content Placeholder 3">
-            <a:extLst>
-              <a:ext uri="{FF2B5EF4-FFF2-40B4-BE49-F238E27FC236}">
-                <a16:creationId xmlns:a16="http://schemas.microsoft.com/office/drawing/2014/main" id="{A30DA7C7-97FB-2FE8-3E95-4CCE1A166BF6}"/>
-              </a:ext>
-            </a:extLst>
-          </p:cNvPr>
+          <p:cNvPr id="4" name="Content Placeholder 3"/>
           <p:cNvSpPr>
             <a:spLocks noGrp="1"/>
           </p:cNvSpPr>
@@ -1623,8 +1656,8 @@
         </p:nvSpPr>
         <p:spPr>
           <a:xfrm>
-            <a:off x="839788" y="2505075"/>
-            <a:ext cx="5157787" cy="3684588"/>
+            <a:off x="1447191" y="2824269"/>
+            <a:ext cx="4645152" cy="2644457"/>
           </a:xfrm>
         </p:spPr>
         <p:txBody>
@@ -1664,18 +1697,13 @@
               <a:rPr lang="en-US"/>
               <a:t>Fifth level</a:t>
             </a:r>
-          </a:p>
-        </p:txBody>
-      </p:sp>
-      <p:sp>
-        <p:nvSpPr>
-          <p:cNvPr id="5" name="Text Placeholder 4">
-            <a:extLst>
-              <a:ext uri="{FF2B5EF4-FFF2-40B4-BE49-F238E27FC236}">
-                <a16:creationId xmlns:a16="http://schemas.microsoft.com/office/drawing/2014/main" id="{62A191B9-6744-8BFB-C378-3EBDB870068F}"/>
-              </a:ext>
-            </a:extLst>
-          </p:cNvPr>
+            <a:endParaRPr lang="en-US" dirty="0"/>
+          </a:p>
+        </p:txBody>
+      </p:sp>
+      <p:sp>
+        <p:nvSpPr>
+          <p:cNvPr id="5" name="Text Placeholder 4"/>
           <p:cNvSpPr>
             <a:spLocks noGrp="1"/>
           </p:cNvSpPr>
@@ -1685,16 +1713,25 @@
         </p:nvSpPr>
         <p:spPr>
           <a:xfrm>
-            <a:off x="6172200" y="1681163"/>
-            <a:ext cx="5183188" cy="823912"/>
+            <a:off x="6412362" y="2023003"/>
+            <a:ext cx="4645152" cy="802237"/>
           </a:xfrm>
         </p:spPr>
         <p:txBody>
-          <a:bodyPr anchor="b"/>
+          <a:bodyPr anchor="b">
+            <a:normAutofit/>
+          </a:bodyPr>
           <a:lstStyle>
             <a:lvl1pPr marL="0" indent="0">
-              <a:buNone/>
-              <a:defRPr sz="2400" b="1"/>
+              <a:lnSpc>
+                <a:spcPct val="100000"/>
+              </a:lnSpc>
+              <a:buNone/>
+              <a:defRPr sz="2200" b="0" cap="all" baseline="0">
+                <a:solidFill>
+                  <a:schemeClr val="accent1"/>
+                </a:solidFill>
+              </a:defRPr>
             </a:lvl1pPr>
             <a:lvl2pPr marL="457200" indent="0">
               <a:buNone/>
@@ -1740,13 +1777,7 @@
       </p:sp>
       <p:sp>
         <p:nvSpPr>
-          <p:cNvPr id="6" name="Content Placeholder 5">
-            <a:extLst>
-              <a:ext uri="{FF2B5EF4-FFF2-40B4-BE49-F238E27FC236}">
-                <a16:creationId xmlns:a16="http://schemas.microsoft.com/office/drawing/2014/main" id="{1D545218-1C0E-03E4-A2E3-CBC33AB65FC3}"/>
-              </a:ext>
-            </a:extLst>
-          </p:cNvPr>
+          <p:cNvPr id="6" name="Content Placeholder 5"/>
           <p:cNvSpPr>
             <a:spLocks noGrp="1"/>
           </p:cNvSpPr>
@@ -1756,8 +1787,8 @@
         </p:nvSpPr>
         <p:spPr>
           <a:xfrm>
-            <a:off x="6172200" y="2505075"/>
-            <a:ext cx="5183188" cy="3684588"/>
+            <a:off x="6412362" y="2821491"/>
+            <a:ext cx="4645152" cy="2637371"/>
           </a:xfrm>
         </p:spPr>
         <p:txBody>
@@ -1797,18 +1828,13 @@
               <a:rPr lang="en-US"/>
               <a:t>Fifth level</a:t>
             </a:r>
-          </a:p>
-        </p:txBody>
-      </p:sp>
-      <p:sp>
-        <p:nvSpPr>
-          <p:cNvPr id="7" name="Date Placeholder 6">
-            <a:extLst>
-              <a:ext uri="{FF2B5EF4-FFF2-40B4-BE49-F238E27FC236}">
-                <a16:creationId xmlns:a16="http://schemas.microsoft.com/office/drawing/2014/main" id="{144E6021-94D5-62D9-A0DF-21C3B2CE00A3}"/>
-              </a:ext>
-            </a:extLst>
-          </p:cNvPr>
+            <a:endParaRPr lang="en-US" dirty="0"/>
+          </a:p>
+        </p:txBody>
+      </p:sp>
+      <p:sp>
+        <p:nvSpPr>
+          <p:cNvPr id="7" name="Date Placeholder 6"/>
           <p:cNvSpPr>
             <a:spLocks noGrp="1"/>
           </p:cNvSpPr>
@@ -1831,13 +1857,7 @@
       </p:sp>
       <p:sp>
         <p:nvSpPr>
-          <p:cNvPr id="8" name="Footer Placeholder 7">
-            <a:extLst>
-              <a:ext uri="{FF2B5EF4-FFF2-40B4-BE49-F238E27FC236}">
-                <a16:creationId xmlns:a16="http://schemas.microsoft.com/office/drawing/2014/main" id="{E3028279-3536-CFC1-1A8E-C69B2D8E8C36}"/>
-              </a:ext>
-            </a:extLst>
-          </p:cNvPr>
+          <p:cNvPr id="8" name="Footer Placeholder 7"/>
           <p:cNvSpPr>
             <a:spLocks noGrp="1"/>
           </p:cNvSpPr>
@@ -1856,13 +1876,7 @@
       </p:sp>
       <p:sp>
         <p:nvSpPr>
-          <p:cNvPr id="9" name="Slide Number Placeholder 8">
-            <a:extLst>
-              <a:ext uri="{FF2B5EF4-FFF2-40B4-BE49-F238E27FC236}">
-                <a16:creationId xmlns:a16="http://schemas.microsoft.com/office/drawing/2014/main" id="{6E629CF0-985E-78BE-26BB-F2675912C66D}"/>
-              </a:ext>
-            </a:extLst>
-          </p:cNvPr>
+          <p:cNvPr id="9" name="Slide Number Placeholder 8"/>
           <p:cNvSpPr>
             <a:spLocks noGrp="1"/>
           </p:cNvSpPr>
@@ -1883,10 +1897,41 @@
           </a:p>
         </p:txBody>
       </p:sp>
+      <p:cxnSp>
+        <p:nvCxnSpPr>
+          <p:cNvPr id="29" name="Straight Connector 28"/>
+          <p:cNvCxnSpPr/>
+          <p:nvPr/>
+        </p:nvCxnSpPr>
+        <p:spPr>
+          <a:xfrm>
+            <a:off x="1453896" y="1847088"/>
+            <a:ext cx="9607522" cy="0"/>
+          </a:xfrm>
+          <a:prstGeom prst="line">
+            <a:avLst/>
+          </a:prstGeom>
+          <a:ln w="31750"/>
+        </p:spPr>
+        <p:style>
+          <a:lnRef idx="3">
+            <a:schemeClr val="accent1"/>
+          </a:lnRef>
+          <a:fillRef idx="0">
+            <a:schemeClr val="accent1"/>
+          </a:fillRef>
+          <a:effectRef idx="2">
+            <a:schemeClr val="accent1"/>
+          </a:effectRef>
+          <a:fontRef idx="minor">
+            <a:schemeClr val="tx1"/>
+          </a:fontRef>
+        </p:style>
+      </p:cxnSp>
     </p:spTree>
     <p:extLst>
       <p:ext uri="{BB962C8B-B14F-4D97-AF65-F5344CB8AC3E}">
-        <p14:creationId xmlns:p14="http://schemas.microsoft.com/office/powerpoint/2010/main" val="1790955325"/>
+        <p14:creationId xmlns:p14="http://schemas.microsoft.com/office/powerpoint/2010/main" val="4047277820"/>
       </p:ext>
     </p:extLst>
   </p:cSld>
@@ -1915,13 +1960,7 @@
       </p:grpSpPr>
       <p:sp>
         <p:nvSpPr>
-          <p:cNvPr id="2" name="Title 1">
-            <a:extLst>
-              <a:ext uri="{FF2B5EF4-FFF2-40B4-BE49-F238E27FC236}">
-                <a16:creationId xmlns:a16="http://schemas.microsoft.com/office/drawing/2014/main" id="{3C564433-A9A2-CF0D-DFBC-E22188A37BA6}"/>
-              </a:ext>
-            </a:extLst>
-          </p:cNvPr>
+          <p:cNvPr id="2" name="Title 1"/>
           <p:cNvSpPr>
             <a:spLocks noGrp="1"/>
           </p:cNvSpPr>
@@ -1938,18 +1977,13 @@
               <a:rPr lang="en-US"/>
               <a:t>Click to edit Master title style</a:t>
             </a:r>
-          </a:p>
-        </p:txBody>
-      </p:sp>
-      <p:sp>
-        <p:nvSpPr>
-          <p:cNvPr id="3" name="Date Placeholder 2">
-            <a:extLst>
-              <a:ext uri="{FF2B5EF4-FFF2-40B4-BE49-F238E27FC236}">
-                <a16:creationId xmlns:a16="http://schemas.microsoft.com/office/drawing/2014/main" id="{9716B711-9FE1-84F6-77E6-95412611DA0F}"/>
-              </a:ext>
-            </a:extLst>
-          </p:cNvPr>
+            <a:endParaRPr lang="en-US" dirty="0"/>
+          </a:p>
+        </p:txBody>
+      </p:sp>
+      <p:sp>
+        <p:nvSpPr>
+          <p:cNvPr id="3" name="Date Placeholder 2"/>
           <p:cNvSpPr>
             <a:spLocks noGrp="1"/>
           </p:cNvSpPr>
@@ -1972,13 +2006,7 @@
       </p:sp>
       <p:sp>
         <p:nvSpPr>
-          <p:cNvPr id="4" name="Footer Placeholder 3">
-            <a:extLst>
-              <a:ext uri="{FF2B5EF4-FFF2-40B4-BE49-F238E27FC236}">
-                <a16:creationId xmlns:a16="http://schemas.microsoft.com/office/drawing/2014/main" id="{F7CDBB3F-D2CD-F207-72DE-FB4F4246422A}"/>
-              </a:ext>
-            </a:extLst>
-          </p:cNvPr>
+          <p:cNvPr id="4" name="Footer Placeholder 3"/>
           <p:cNvSpPr>
             <a:spLocks noGrp="1"/>
           </p:cNvSpPr>
@@ -1997,13 +2025,7 @@
       </p:sp>
       <p:sp>
         <p:nvSpPr>
-          <p:cNvPr id="5" name="Slide Number Placeholder 4">
-            <a:extLst>
-              <a:ext uri="{FF2B5EF4-FFF2-40B4-BE49-F238E27FC236}">
-                <a16:creationId xmlns:a16="http://schemas.microsoft.com/office/drawing/2014/main" id="{90CA1A42-9FF8-A5F9-6D11-E9F8660503E4}"/>
-              </a:ext>
-            </a:extLst>
-          </p:cNvPr>
+          <p:cNvPr id="5" name="Slide Number Placeholder 4"/>
           <p:cNvSpPr>
             <a:spLocks noGrp="1"/>
           </p:cNvSpPr>
@@ -2024,10 +2046,41 @@
           </a:p>
         </p:txBody>
       </p:sp>
+      <p:cxnSp>
+        <p:nvCxnSpPr>
+          <p:cNvPr id="25" name="Straight Connector 24"/>
+          <p:cNvCxnSpPr/>
+          <p:nvPr/>
+        </p:nvCxnSpPr>
+        <p:spPr>
+          <a:xfrm>
+            <a:off x="1453896" y="1847088"/>
+            <a:ext cx="9607522" cy="0"/>
+          </a:xfrm>
+          <a:prstGeom prst="line">
+            <a:avLst/>
+          </a:prstGeom>
+          <a:ln w="31750"/>
+        </p:spPr>
+        <p:style>
+          <a:lnRef idx="3">
+            <a:schemeClr val="accent1"/>
+          </a:lnRef>
+          <a:fillRef idx="0">
+            <a:schemeClr val="accent1"/>
+          </a:fillRef>
+          <a:effectRef idx="2">
+            <a:schemeClr val="accent1"/>
+          </a:effectRef>
+          <a:fontRef idx="minor">
+            <a:schemeClr val="tx1"/>
+          </a:fontRef>
+        </p:style>
+      </p:cxnSp>
     </p:spTree>
     <p:extLst>
       <p:ext uri="{BB962C8B-B14F-4D97-AF65-F5344CB8AC3E}">
-        <p14:creationId xmlns:p14="http://schemas.microsoft.com/office/powerpoint/2010/main" val="2623671026"/>
+        <p14:creationId xmlns:p14="http://schemas.microsoft.com/office/powerpoint/2010/main" val="1943792593"/>
       </p:ext>
     </p:extLst>
   </p:cSld>
@@ -2056,13 +2109,7 @@
       </p:grpSpPr>
       <p:sp>
         <p:nvSpPr>
-          <p:cNvPr id="2" name="Date Placeholder 1">
-            <a:extLst>
-              <a:ext uri="{FF2B5EF4-FFF2-40B4-BE49-F238E27FC236}">
-                <a16:creationId xmlns:a16="http://schemas.microsoft.com/office/drawing/2014/main" id="{76CD3DC7-C0CA-4FFE-6A2E-E4B3AF9BB71B}"/>
-              </a:ext>
-            </a:extLst>
-          </p:cNvPr>
+          <p:cNvPr id="2" name="Date Placeholder 1"/>
           <p:cNvSpPr>
             <a:spLocks noGrp="1"/>
           </p:cNvSpPr>
@@ -2085,13 +2132,7 @@
       </p:sp>
       <p:sp>
         <p:nvSpPr>
-          <p:cNvPr id="3" name="Footer Placeholder 2">
-            <a:extLst>
-              <a:ext uri="{FF2B5EF4-FFF2-40B4-BE49-F238E27FC236}">
-                <a16:creationId xmlns:a16="http://schemas.microsoft.com/office/drawing/2014/main" id="{4875C740-F820-CB2E-BFCB-80B15DEF861B}"/>
-              </a:ext>
-            </a:extLst>
-          </p:cNvPr>
+          <p:cNvPr id="3" name="Footer Placeholder 2"/>
           <p:cNvSpPr>
             <a:spLocks noGrp="1"/>
           </p:cNvSpPr>
@@ -2110,13 +2151,7 @@
       </p:sp>
       <p:sp>
         <p:nvSpPr>
-          <p:cNvPr id="4" name="Slide Number Placeholder 3">
-            <a:extLst>
-              <a:ext uri="{FF2B5EF4-FFF2-40B4-BE49-F238E27FC236}">
-                <a16:creationId xmlns:a16="http://schemas.microsoft.com/office/drawing/2014/main" id="{3B9C5D72-1E6E-7699-FF80-6D511B434279}"/>
-              </a:ext>
-            </a:extLst>
-          </p:cNvPr>
+          <p:cNvPr id="4" name="Slide Number Placeholder 3"/>
           <p:cNvSpPr>
             <a:spLocks noGrp="1"/>
           </p:cNvSpPr>
@@ -2140,7 +2175,7 @@
     </p:spTree>
     <p:extLst>
       <p:ext uri="{BB962C8B-B14F-4D97-AF65-F5344CB8AC3E}">
-        <p14:creationId xmlns:p14="http://schemas.microsoft.com/office/powerpoint/2010/main" val="1424356539"/>
+        <p14:creationId xmlns:p14="http://schemas.microsoft.com/office/powerpoint/2010/main" val="3219908097"/>
       </p:ext>
     </p:extLst>
   </p:cSld>
@@ -2169,13 +2204,7 @@
       </p:grpSpPr>
       <p:sp>
         <p:nvSpPr>
-          <p:cNvPr id="2" name="Title 1">
-            <a:extLst>
-              <a:ext uri="{FF2B5EF4-FFF2-40B4-BE49-F238E27FC236}">
-                <a16:creationId xmlns:a16="http://schemas.microsoft.com/office/drawing/2014/main" id="{5CDF7FA3-D3BA-E3E4-D948-E59C686B96B7}"/>
-              </a:ext>
-            </a:extLst>
-          </p:cNvPr>
+          <p:cNvPr id="2" name="Title 1"/>
           <p:cNvSpPr>
             <a:spLocks noGrp="1"/>
           </p:cNvSpPr>
@@ -2185,15 +2214,17 @@
         </p:nvSpPr>
         <p:spPr>
           <a:xfrm>
-            <a:off x="839788" y="457200"/>
-            <a:ext cx="3932237" cy="1600200"/>
+            <a:off x="1444671" y="798973"/>
+            <a:ext cx="3273099" cy="2247117"/>
           </a:xfrm>
         </p:spPr>
         <p:txBody>
-          <a:bodyPr anchor="b"/>
+          <a:bodyPr anchor="b">
+            <a:normAutofit/>
+          </a:bodyPr>
           <a:lstStyle>
-            <a:lvl1pPr>
-              <a:defRPr sz="3200"/>
+            <a:lvl1pPr algn="l">
+              <a:defRPr sz="2400"/>
             </a:lvl1pPr>
           </a:lstStyle>
           <a:p>
@@ -2201,18 +2232,13 @@
               <a:rPr lang="en-US"/>
               <a:t>Click to edit Master title style</a:t>
             </a:r>
-          </a:p>
-        </p:txBody>
-      </p:sp>
-      <p:sp>
-        <p:nvSpPr>
-          <p:cNvPr id="3" name="Content Placeholder 2">
-            <a:extLst>
-              <a:ext uri="{FF2B5EF4-FFF2-40B4-BE49-F238E27FC236}">
-                <a16:creationId xmlns:a16="http://schemas.microsoft.com/office/drawing/2014/main" id="{21F782A0-3329-E609-DD66-5484015E738F}"/>
-              </a:ext>
-            </a:extLst>
-          </p:cNvPr>
+            <a:endParaRPr lang="en-US" dirty="0"/>
+          </a:p>
+        </p:txBody>
+      </p:sp>
+      <p:sp>
+        <p:nvSpPr>
+          <p:cNvPr id="3" name="Content Placeholder 2"/>
           <p:cNvSpPr>
             <a:spLocks noGrp="1"/>
           </p:cNvSpPr>
@@ -2222,104 +2248,71 @@
         </p:nvSpPr>
         <p:spPr>
           <a:xfrm>
-            <a:off x="5183188" y="987425"/>
-            <a:ext cx="6172200" cy="4873625"/>
+            <a:off x="5043714" y="798974"/>
+            <a:ext cx="6012470" cy="4658826"/>
           </a:xfrm>
         </p:spPr>
         <p:txBody>
+          <a:bodyPr anchor="ctr"/>
+          <a:lstStyle/>
+          <a:p>
+            <a:pPr lvl="0"/>
+            <a:r>
+              <a:rPr lang="en-US"/>
+              <a:t>Click to edit Master text styles</a:t>
+            </a:r>
+          </a:p>
+          <a:p>
+            <a:pPr lvl="1"/>
+            <a:r>
+              <a:rPr lang="en-US"/>
+              <a:t>Second level</a:t>
+            </a:r>
+          </a:p>
+          <a:p>
+            <a:pPr lvl="2"/>
+            <a:r>
+              <a:rPr lang="en-US"/>
+              <a:t>Third level</a:t>
+            </a:r>
+          </a:p>
+          <a:p>
+            <a:pPr lvl="3"/>
+            <a:r>
+              <a:rPr lang="en-US"/>
+              <a:t>Fourth level</a:t>
+            </a:r>
+          </a:p>
+          <a:p>
+            <a:pPr lvl="4"/>
+            <a:r>
+              <a:rPr lang="en-US"/>
+              <a:t>Fifth level</a:t>
+            </a:r>
+            <a:endParaRPr lang="en-US" dirty="0"/>
+          </a:p>
+        </p:txBody>
+      </p:sp>
+      <p:sp>
+        <p:nvSpPr>
+          <p:cNvPr id="4" name="Text Placeholder 3"/>
+          <p:cNvSpPr>
+            <a:spLocks noGrp="1"/>
+          </p:cNvSpPr>
+          <p:nvPr>
+            <p:ph type="body" sz="half" idx="2"/>
+          </p:nvPr>
+        </p:nvSpPr>
+        <p:spPr>
+          <a:xfrm>
+            <a:off x="1444671" y="3205491"/>
+            <a:ext cx="3275013" cy="2248181"/>
+          </a:xfrm>
+        </p:spPr>
+        <p:txBody>
           <a:bodyPr/>
           <a:lstStyle>
-            <a:lvl1pPr>
-              <a:defRPr sz="3200"/>
-            </a:lvl1pPr>
-            <a:lvl2pPr>
-              <a:defRPr sz="2800"/>
-            </a:lvl2pPr>
-            <a:lvl3pPr>
-              <a:defRPr sz="2400"/>
-            </a:lvl3pPr>
-            <a:lvl4pPr>
-              <a:defRPr sz="2000"/>
-            </a:lvl4pPr>
-            <a:lvl5pPr>
-              <a:defRPr sz="2000"/>
-            </a:lvl5pPr>
-            <a:lvl6pPr>
-              <a:defRPr sz="2000"/>
-            </a:lvl6pPr>
-            <a:lvl7pPr>
-              <a:defRPr sz="2000"/>
-            </a:lvl7pPr>
-            <a:lvl8pPr>
-              <a:defRPr sz="2000"/>
-            </a:lvl8pPr>
-            <a:lvl9pPr>
-              <a:defRPr sz="2000"/>
-            </a:lvl9pPr>
-          </a:lstStyle>
-          <a:p>
-            <a:pPr lvl="0"/>
-            <a:r>
-              <a:rPr lang="en-US"/>
-              <a:t>Click to edit Master text styles</a:t>
-            </a:r>
-          </a:p>
-          <a:p>
-            <a:pPr lvl="1"/>
-            <a:r>
-              <a:rPr lang="en-US"/>
-              <a:t>Second level</a:t>
-            </a:r>
-          </a:p>
-          <a:p>
-            <a:pPr lvl="2"/>
-            <a:r>
-              <a:rPr lang="en-US"/>
-              <a:t>Third level</a:t>
-            </a:r>
-          </a:p>
-          <a:p>
-            <a:pPr lvl="3"/>
-            <a:r>
-              <a:rPr lang="en-US"/>
-              <a:t>Fourth level</a:t>
-            </a:r>
-          </a:p>
-          <a:p>
-            <a:pPr lvl="4"/>
-            <a:r>
-              <a:rPr lang="en-US"/>
-              <a:t>Fifth level</a:t>
-            </a:r>
-          </a:p>
-        </p:txBody>
-      </p:sp>
-      <p:sp>
-        <p:nvSpPr>
-          <p:cNvPr id="4" name="Text Placeholder 3">
-            <a:extLst>
-              <a:ext uri="{FF2B5EF4-FFF2-40B4-BE49-F238E27FC236}">
-                <a16:creationId xmlns:a16="http://schemas.microsoft.com/office/drawing/2014/main" id="{A6307DBA-436F-5AF0-E8F0-23446802A80C}"/>
-              </a:ext>
-            </a:extLst>
-          </p:cNvPr>
-          <p:cNvSpPr>
-            <a:spLocks noGrp="1"/>
-          </p:cNvSpPr>
-          <p:nvPr>
-            <p:ph type="body" sz="half" idx="2"/>
-          </p:nvPr>
-        </p:nvSpPr>
-        <p:spPr>
-          <a:xfrm>
-            <a:off x="839788" y="2057400"/>
-            <a:ext cx="3932237" cy="3811588"/>
-          </a:xfrm>
-        </p:spPr>
-        <p:txBody>
-          <a:bodyPr/>
-          <a:lstStyle>
-            <a:lvl1pPr marL="0" indent="0">
+            <a:lvl1pPr marL="0" indent="0" algn="l">
               <a:buNone/>
               <a:defRPr sz="1600"/>
             </a:lvl1pPr>
@@ -2367,13 +2360,7 @@
       </p:sp>
       <p:sp>
         <p:nvSpPr>
-          <p:cNvPr id="5" name="Date Placeholder 4">
-            <a:extLst>
-              <a:ext uri="{FF2B5EF4-FFF2-40B4-BE49-F238E27FC236}">
-                <a16:creationId xmlns:a16="http://schemas.microsoft.com/office/drawing/2014/main" id="{F9202657-099F-B7D5-9B59-289DA04BC817}"/>
-              </a:ext>
-            </a:extLst>
-          </p:cNvPr>
+          <p:cNvPr id="5" name="Date Placeholder 4"/>
           <p:cNvSpPr>
             <a:spLocks noGrp="1"/>
           </p:cNvSpPr>
@@ -2396,13 +2383,7 @@
       </p:sp>
       <p:sp>
         <p:nvSpPr>
-          <p:cNvPr id="6" name="Footer Placeholder 5">
-            <a:extLst>
-              <a:ext uri="{FF2B5EF4-FFF2-40B4-BE49-F238E27FC236}">
-                <a16:creationId xmlns:a16="http://schemas.microsoft.com/office/drawing/2014/main" id="{9E4ADE39-9774-6058-8D8E-8A9D681B474A}"/>
-              </a:ext>
-            </a:extLst>
-          </p:cNvPr>
+          <p:cNvPr id="6" name="Footer Placeholder 5"/>
           <p:cNvSpPr>
             <a:spLocks noGrp="1"/>
           </p:cNvSpPr>
@@ -2421,13 +2402,7 @@
       </p:sp>
       <p:sp>
         <p:nvSpPr>
-          <p:cNvPr id="7" name="Slide Number Placeholder 6">
-            <a:extLst>
-              <a:ext uri="{FF2B5EF4-FFF2-40B4-BE49-F238E27FC236}">
-                <a16:creationId xmlns:a16="http://schemas.microsoft.com/office/drawing/2014/main" id="{4245405E-D4EA-C44D-3780-0BA7D18275E5}"/>
-              </a:ext>
-            </a:extLst>
-          </p:cNvPr>
+          <p:cNvPr id="7" name="Slide Number Placeholder 6"/>
           <p:cNvSpPr>
             <a:spLocks noGrp="1"/>
           </p:cNvSpPr>
@@ -2448,10 +2423,41 @@
           </a:p>
         </p:txBody>
       </p:sp>
+      <p:cxnSp>
+        <p:nvCxnSpPr>
+          <p:cNvPr id="17" name="Straight Connector 16"/>
+          <p:cNvCxnSpPr/>
+          <p:nvPr/>
+        </p:nvCxnSpPr>
+        <p:spPr>
+          <a:xfrm>
+            <a:off x="1448280" y="3205491"/>
+            <a:ext cx="3269490" cy="0"/>
+          </a:xfrm>
+          <a:prstGeom prst="line">
+            <a:avLst/>
+          </a:prstGeom>
+          <a:ln w="31750"/>
+        </p:spPr>
+        <p:style>
+          <a:lnRef idx="3">
+            <a:schemeClr val="accent1"/>
+          </a:lnRef>
+          <a:fillRef idx="0">
+            <a:schemeClr val="accent1"/>
+          </a:fillRef>
+          <a:effectRef idx="2">
+            <a:schemeClr val="accent1"/>
+          </a:effectRef>
+          <a:fontRef idx="minor">
+            <a:schemeClr val="tx1"/>
+          </a:fontRef>
+        </p:style>
+      </p:cxnSp>
     </p:spTree>
     <p:extLst>
       <p:ext uri="{BB962C8B-B14F-4D97-AF65-F5344CB8AC3E}">
-        <p14:creationId xmlns:p14="http://schemas.microsoft.com/office/powerpoint/2010/main" val="823668202"/>
+        <p14:creationId xmlns:p14="http://schemas.microsoft.com/office/powerpoint/2010/main" val="1511389968"/>
       </p:ext>
     </p:extLst>
   </p:cSld>
@@ -2478,15 +2484,143 @@
           <a:chExt cx="0" cy="0"/>
         </a:xfrm>
       </p:grpSpPr>
-      <p:sp>
-        <p:nvSpPr>
-          <p:cNvPr id="2" name="Title 1">
-            <a:extLst>
-              <a:ext uri="{FF2B5EF4-FFF2-40B4-BE49-F238E27FC236}">
-                <a16:creationId xmlns:a16="http://schemas.microsoft.com/office/drawing/2014/main" id="{5AD2ECF3-5F24-D174-621E-44B2943DE757}"/>
-              </a:ext>
-            </a:extLst>
-          </p:cNvPr>
+      <p:grpSp>
+        <p:nvGrpSpPr>
+          <p:cNvPr id="8" name="Group 7"/>
+          <p:cNvGrpSpPr/>
+          <p:nvPr/>
+        </p:nvGrpSpPr>
+        <p:grpSpPr>
+          <a:xfrm>
+            <a:off x="7477387" y="482170"/>
+            <a:ext cx="4074533" cy="5149101"/>
+            <a:chOff x="7477387" y="482170"/>
+            <a:chExt cx="4074533" cy="5149101"/>
+          </a:xfrm>
+        </p:grpSpPr>
+        <p:sp>
+          <p:nvSpPr>
+            <p:cNvPr id="18" name="Rectangle 17"/>
+            <p:cNvSpPr/>
+            <p:nvPr/>
+          </p:nvSpPr>
+          <p:spPr bwMode="black">
+            <a:xfrm>
+              <a:off x="7477387" y="482170"/>
+              <a:ext cx="4074533" cy="5149101"/>
+            </a:xfrm>
+            <a:prstGeom prst="rect">
+              <a:avLst/>
+            </a:prstGeom>
+            <a:gradFill>
+              <a:gsLst>
+                <a:gs pos="0">
+                  <a:srgbClr val="000001"/>
+                </a:gs>
+                <a:gs pos="100000">
+                  <a:srgbClr val="191919"/>
+                </a:gs>
+              </a:gsLst>
+            </a:gradFill>
+            <a:ln w="76200" cmpd="sng">
+              <a:noFill/>
+              <a:miter lim="800000"/>
+            </a:ln>
+            <a:effectLst>
+              <a:outerShdw blurRad="127000" dist="228600" dir="4740000" sx="98000" sy="98000" algn="tl" rotWithShape="0">
+                <a:srgbClr val="000000">
+                  <a:alpha val="34000"/>
+                </a:srgbClr>
+              </a:outerShdw>
+            </a:effectLst>
+            <a:scene3d>
+              <a:camera prst="orthographicFront"/>
+              <a:lightRig rig="threePt" dir="t"/>
+            </a:scene3d>
+            <a:sp3d>
+              <a:bevelT w="152400" h="50800" prst="softRound"/>
+            </a:sp3d>
+          </p:spPr>
+          <p:style>
+            <a:lnRef idx="1">
+              <a:schemeClr val="accent1"/>
+            </a:lnRef>
+            <a:fillRef idx="3">
+              <a:schemeClr val="accent1"/>
+            </a:fillRef>
+            <a:effectRef idx="2">
+              <a:schemeClr val="accent1"/>
+            </a:effectRef>
+            <a:fontRef idx="minor">
+              <a:schemeClr val="lt1"/>
+            </a:fontRef>
+          </p:style>
+        </p:sp>
+        <p:sp>
+          <p:nvSpPr>
+            <p:cNvPr id="19" name="Rectangle 18"/>
+            <p:cNvSpPr/>
+            <p:nvPr/>
+          </p:nvSpPr>
+          <p:spPr bwMode="blackWhite">
+            <a:xfrm>
+              <a:off x="7790446" y="812506"/>
+              <a:ext cx="3450289" cy="4466452"/>
+            </a:xfrm>
+            <a:prstGeom prst="rect">
+              <a:avLst/>
+            </a:prstGeom>
+            <a:gradFill>
+              <a:gsLst>
+                <a:gs pos="0">
+                  <a:srgbClr val="DADADA"/>
+                </a:gs>
+                <a:gs pos="100000">
+                  <a:srgbClr val="FFFFFE"/>
+                </a:gs>
+              </a:gsLst>
+              <a:lin ang="16200000" scaled="0"/>
+            </a:gradFill>
+            <a:ln w="50800" cmpd="sng">
+              <a:solidFill>
+                <a:srgbClr val="191919"/>
+              </a:solidFill>
+              <a:miter lim="800000"/>
+            </a:ln>
+            <a:effectLst>
+              <a:innerShdw blurRad="63500" dist="88900" dir="14100000">
+                <a:srgbClr val="000000">
+                  <a:alpha val="30000"/>
+                </a:srgbClr>
+              </a:innerShdw>
+            </a:effectLst>
+            <a:scene3d>
+              <a:camera prst="orthographicFront"/>
+              <a:lightRig rig="threePt" dir="t"/>
+            </a:scene3d>
+            <a:sp3d>
+              <a:bevelT prst="relaxedInset"/>
+            </a:sp3d>
+          </p:spPr>
+          <p:style>
+            <a:lnRef idx="1">
+              <a:schemeClr val="accent1"/>
+            </a:lnRef>
+            <a:fillRef idx="3">
+              <a:schemeClr val="accent1"/>
+            </a:fillRef>
+            <a:effectRef idx="2">
+              <a:schemeClr val="accent1"/>
+            </a:effectRef>
+            <a:fontRef idx="minor">
+              <a:schemeClr val="lt1"/>
+            </a:fontRef>
+          </p:style>
+        </p:sp>
+      </p:grpSp>
+      <p:sp>
+        <p:nvSpPr>
+          <p:cNvPr id="2" name="Title 1"/>
           <p:cNvSpPr>
             <a:spLocks noGrp="1"/>
           </p:cNvSpPr>
@@ -2496,12 +2630,14 @@
         </p:nvSpPr>
         <p:spPr>
           <a:xfrm>
-            <a:off x="839788" y="457200"/>
-            <a:ext cx="3932237" cy="1600200"/>
+            <a:off x="1451206" y="1129513"/>
+            <a:ext cx="5532328" cy="1830584"/>
           </a:xfrm>
         </p:spPr>
         <p:txBody>
-          <a:bodyPr anchor="b"/>
+          <a:bodyPr anchor="b">
+            <a:normAutofit/>
+          </a:bodyPr>
           <a:lstStyle>
             <a:lvl1pPr>
               <a:defRPr sz="3200"/>
@@ -2512,20 +2648,15 @@
               <a:rPr lang="en-US"/>
               <a:t>Click to edit Master title style</a:t>
             </a:r>
-          </a:p>
-        </p:txBody>
-      </p:sp>
-      <p:sp>
-        <p:nvSpPr>
-          <p:cNvPr id="3" name="Picture Placeholder 2">
-            <a:extLst>
-              <a:ext uri="{FF2B5EF4-FFF2-40B4-BE49-F238E27FC236}">
-                <a16:creationId xmlns:a16="http://schemas.microsoft.com/office/drawing/2014/main" id="{E744A143-8F9D-FF9F-EFF1-DB801A774EE3}"/>
-              </a:ext>
-            </a:extLst>
-          </p:cNvPr>
-          <p:cNvSpPr>
-            <a:spLocks noGrp="1"/>
+            <a:endParaRPr lang="en-US" dirty="0"/>
+          </a:p>
+        </p:txBody>
+      </p:sp>
+      <p:sp>
+        <p:nvSpPr>
+          <p:cNvPr id="3" name="Picture Placeholder 2"/>
+          <p:cNvSpPr>
+            <a:spLocks noGrp="1" noChangeAspect="1"/>
           </p:cNvSpPr>
           <p:nvPr>
             <p:ph type="pic" idx="1"/>
@@ -2533,14 +2664,24 @@
         </p:nvSpPr>
         <p:spPr>
           <a:xfrm>
-            <a:off x="5183188" y="987425"/>
-            <a:ext cx="6172200" cy="4873625"/>
+            <a:off x="8124389" y="1122542"/>
+            <a:ext cx="2791171" cy="3866327"/>
           </a:xfrm>
+          <a:solidFill>
+            <a:schemeClr val="bg1">
+              <a:lumMod val="85000"/>
+            </a:schemeClr>
+          </a:solidFill>
+          <a:ln w="9525" cap="sq">
+            <a:noFill/>
+            <a:miter lim="800000"/>
+          </a:ln>
+          <a:effectLst/>
         </p:spPr>
         <p:txBody>
-          <a:bodyPr/>
+          <a:bodyPr anchor="t"/>
           <a:lstStyle>
-            <a:lvl1pPr marL="0" indent="0">
+            <a:lvl1pPr marL="0" indent="0" algn="ctr">
               <a:buNone/>
               <a:defRPr sz="3200"/>
             </a:lvl1pPr>
@@ -2578,19 +2719,17 @@
             </a:lvl9pPr>
           </a:lstStyle>
           <a:p>
-            <a:endParaRPr lang="en-US"/>
-          </a:p>
-        </p:txBody>
-      </p:sp>
-      <p:sp>
-        <p:nvSpPr>
-          <p:cNvPr id="4" name="Text Placeholder 3">
-            <a:extLst>
-              <a:ext uri="{FF2B5EF4-FFF2-40B4-BE49-F238E27FC236}">
-                <a16:creationId xmlns:a16="http://schemas.microsoft.com/office/drawing/2014/main" id="{7F996954-9EF3-9AA4-9F43-08C875314A35}"/>
-              </a:ext>
-            </a:extLst>
-          </p:cNvPr>
+            <a:r>
+              <a:rPr lang="en-US"/>
+              <a:t>Click icon to add picture</a:t>
+            </a:r>
+            <a:endParaRPr lang="en-US" dirty="0"/>
+          </a:p>
+        </p:txBody>
+      </p:sp>
+      <p:sp>
+        <p:nvSpPr>
+          <p:cNvPr id="4" name="Text Placeholder 3"/>
           <p:cNvSpPr>
             <a:spLocks noGrp="1"/>
           </p:cNvSpPr>
@@ -2600,16 +2739,18 @@
         </p:nvSpPr>
         <p:spPr>
           <a:xfrm>
-            <a:off x="839788" y="2057400"/>
-            <a:ext cx="3932237" cy="3811588"/>
+            <a:off x="1450329" y="3145992"/>
+            <a:ext cx="5524404" cy="2003742"/>
           </a:xfrm>
         </p:spPr>
         <p:txBody>
-          <a:bodyPr/>
+          <a:bodyPr>
+            <a:normAutofit/>
+          </a:bodyPr>
           <a:lstStyle>
-            <a:lvl1pPr marL="0" indent="0">
-              <a:buNone/>
-              <a:defRPr sz="1600"/>
+            <a:lvl1pPr marL="0" indent="0" algn="l">
+              <a:buNone/>
+              <a:defRPr sz="1800"/>
             </a:lvl1pPr>
             <a:lvl2pPr marL="457200" indent="0">
               <a:buNone/>
@@ -2655,13 +2796,7 @@
       </p:sp>
       <p:sp>
         <p:nvSpPr>
-          <p:cNvPr id="5" name="Date Placeholder 4">
-            <a:extLst>
-              <a:ext uri="{FF2B5EF4-FFF2-40B4-BE49-F238E27FC236}">
-                <a16:creationId xmlns:a16="http://schemas.microsoft.com/office/drawing/2014/main" id="{B9AA3FC6-8994-001D-6099-80CCC1BDD78E}"/>
-              </a:ext>
-            </a:extLst>
-          </p:cNvPr>
+          <p:cNvPr id="5" name="Date Placeholder 4"/>
           <p:cNvSpPr>
             <a:spLocks noGrp="1"/>
           </p:cNvSpPr>
@@ -2669,10 +2804,19 @@
             <p:ph type="dt" sz="half" idx="10"/>
           </p:nvPr>
         </p:nvSpPr>
-        <p:spPr/>
+        <p:spPr>
+          <a:xfrm>
+            <a:off x="1447382" y="5469856"/>
+            <a:ext cx="5527351" cy="320123"/>
+          </a:xfrm>
+        </p:spPr>
         <p:txBody>
           <a:bodyPr/>
-          <a:lstStyle/>
+          <a:lstStyle>
+            <a:lvl1pPr algn="l">
+              <a:defRPr/>
+            </a:lvl1pPr>
+          </a:lstStyle>
           <a:p>
             <a:fld id="{3F2D80B8-C8AB-4D69-B646-3AAC50392D47}" type="datetimeFigureOut">
               <a:rPr lang="en-US" smtClean="0"/>
@@ -2684,13 +2828,7 @@
       </p:sp>
       <p:sp>
         <p:nvSpPr>
-          <p:cNvPr id="6" name="Footer Placeholder 5">
-            <a:extLst>
-              <a:ext uri="{FF2B5EF4-FFF2-40B4-BE49-F238E27FC236}">
-                <a16:creationId xmlns:a16="http://schemas.microsoft.com/office/drawing/2014/main" id="{E7AB0C90-875F-8CE4-1C62-E2A36DDC5AED}"/>
-              </a:ext>
-            </a:extLst>
-          </p:cNvPr>
+          <p:cNvPr id="6" name="Footer Placeholder 5"/>
           <p:cNvSpPr>
             <a:spLocks noGrp="1"/>
           </p:cNvSpPr>
@@ -2698,7 +2836,12 @@
             <p:ph type="ftr" sz="quarter" idx="11"/>
           </p:nvPr>
         </p:nvSpPr>
-        <p:spPr/>
+        <p:spPr>
+          <a:xfrm>
+            <a:off x="1447382" y="318640"/>
+            <a:ext cx="5541004" cy="320931"/>
+          </a:xfrm>
+        </p:spPr>
         <p:txBody>
           <a:bodyPr/>
           <a:lstStyle/>
@@ -2709,13 +2852,7 @@
       </p:sp>
       <p:sp>
         <p:nvSpPr>
-          <p:cNvPr id="7" name="Slide Number Placeholder 6">
-            <a:extLst>
-              <a:ext uri="{FF2B5EF4-FFF2-40B4-BE49-F238E27FC236}">
-                <a16:creationId xmlns:a16="http://schemas.microsoft.com/office/drawing/2014/main" id="{5DC08ED1-DA43-8B18-FF1A-C6A40FE17A03}"/>
-              </a:ext>
-            </a:extLst>
-          </p:cNvPr>
+          <p:cNvPr id="7" name="Slide Number Placeholder 6"/>
           <p:cNvSpPr>
             <a:spLocks noGrp="1"/>
           </p:cNvSpPr>
@@ -2736,10 +2873,41 @@
           </a:p>
         </p:txBody>
       </p:sp>
+      <p:cxnSp>
+        <p:nvCxnSpPr>
+          <p:cNvPr id="31" name="Straight Connector 30"/>
+          <p:cNvCxnSpPr/>
+          <p:nvPr/>
+        </p:nvCxnSpPr>
+        <p:spPr>
+          <a:xfrm>
+            <a:off x="1447382" y="3143605"/>
+            <a:ext cx="5527351" cy="0"/>
+          </a:xfrm>
+          <a:prstGeom prst="line">
+            <a:avLst/>
+          </a:prstGeom>
+          <a:ln w="31750"/>
+        </p:spPr>
+        <p:style>
+          <a:lnRef idx="3">
+            <a:schemeClr val="accent1"/>
+          </a:lnRef>
+          <a:fillRef idx="0">
+            <a:schemeClr val="accent1"/>
+          </a:fillRef>
+          <a:effectRef idx="2">
+            <a:schemeClr val="accent1"/>
+          </a:effectRef>
+          <a:fontRef idx="minor">
+            <a:schemeClr val="tx1"/>
+          </a:fontRef>
+        </p:style>
+      </p:cxnSp>
     </p:spTree>
     <p:extLst>
       <p:ext uri="{BB962C8B-B14F-4D97-AF65-F5344CB8AC3E}">
-        <p14:creationId xmlns:p14="http://schemas.microsoft.com/office/powerpoint/2010/main" val="2889626212"/>
+        <p14:creationId xmlns:p14="http://schemas.microsoft.com/office/powerpoint/2010/main" val="177254696"/>
       </p:ext>
     </p:extLst>
   </p:cSld>
@@ -2753,8 +2921,8 @@
 <p:sldMaster xmlns:a="http://schemas.openxmlformats.org/drawingml/2006/main" xmlns:r="http://schemas.openxmlformats.org/officeDocument/2006/relationships" xmlns:p="http://schemas.openxmlformats.org/presentationml/2006/main">
   <p:cSld>
     <p:bg>
-      <p:bgRef idx="1001">
-        <a:schemeClr val="bg1"/>
+      <p:bgRef idx="1003">
+        <a:schemeClr val="bg2"/>
       </p:bgRef>
     </p:bg>
     <p:spTree>
@@ -2773,139 +2941,201 @@
       </p:grpSpPr>
       <p:sp>
         <p:nvSpPr>
-          <p:cNvPr id="2" name="Title Placeholder 1">
+          <p:cNvPr id="8" name="Rectangle 7"/>
+          <p:cNvSpPr/>
+          <p:nvPr/>
+        </p:nvSpPr>
+        <p:spPr>
+          <a:xfrm>
+            <a:off x="0" y="2019476"/>
+            <a:ext cx="12192000" cy="4105941"/>
+          </a:xfrm>
+          <a:prstGeom prst="rect">
+            <a:avLst/>
+          </a:prstGeom>
+          <a:gradFill flip="none" rotWithShape="1">
+            <a:gsLst>
+              <a:gs pos="0">
+                <a:schemeClr val="bg2">
+                  <a:alpha val="0"/>
+                </a:schemeClr>
+              </a:gs>
+              <a:gs pos="100000">
+                <a:schemeClr val="bg2"/>
+              </a:gs>
+            </a:gsLst>
+            <a:lin ang="5400000" scaled="0"/>
+            <a:tileRect/>
+          </a:gradFill>
+          <a:ln>
+            <a:noFill/>
+          </a:ln>
+        </p:spPr>
+        <p:style>
+          <a:lnRef idx="2">
+            <a:schemeClr val="accent1">
+              <a:shade val="50000"/>
+            </a:schemeClr>
+          </a:lnRef>
+          <a:fillRef idx="1">
+            <a:schemeClr val="accent1"/>
+          </a:fillRef>
+          <a:effectRef idx="0">
+            <a:schemeClr val="accent1"/>
+          </a:effectRef>
+          <a:fontRef idx="minor">
+            <a:schemeClr val="lt1"/>
+          </a:fontRef>
+        </p:style>
+      </p:sp>
+      <p:pic>
+        <p:nvPicPr>
+          <p:cNvPr id="7" name="Picture 6"/>
+          <p:cNvPicPr>
+            <a:picLocks noChangeAspect="1"/>
+          </p:cNvPicPr>
+          <p:nvPr/>
+        </p:nvPicPr>
+        <p:blipFill rotWithShape="1">
+          <a:blip r:embed="rId13">
             <a:extLst>
-              <a:ext uri="{FF2B5EF4-FFF2-40B4-BE49-F238E27FC236}">
-                <a16:creationId xmlns:a16="http://schemas.microsoft.com/office/drawing/2014/main" id="{EC08C27A-C627-3D6E-2AB0-0F8E629A321F}"/>
+              <a:ext uri="{28A0092B-C50C-407E-A947-70E740481C1C}">
+                <a14:useLocalDpi xmlns:a14="http://schemas.microsoft.com/office/drawing/2010/main" val="0"/>
               </a:ext>
             </a:extLst>
-          </p:cNvPr>
-          <p:cNvSpPr>
-            <a:spLocks noGrp="1"/>
-          </p:cNvSpPr>
-          <p:nvPr>
-            <p:ph type="title"/>
-          </p:nvPr>
-        </p:nvSpPr>
-        <p:spPr>
+          </a:blip>
+          <a:srcRect t="1538" b="-1538"/>
+          <a:stretch/>
+        </p:blipFill>
+        <p:spPr bwMode="black">
           <a:xfrm>
-            <a:off x="838200" y="365125"/>
-            <a:ext cx="10515600" cy="1325563"/>
+            <a:off x="0" y="6126480"/>
+            <a:ext cx="12192000" cy="742950"/>
           </a:xfrm>
           <a:prstGeom prst="rect">
             <a:avLst/>
           </a:prstGeom>
         </p:spPr>
-        <p:txBody>
-          <a:bodyPr vert="horz" lIns="91440" tIns="45720" rIns="91440" bIns="45720" rtlCol="0" anchor="ctr">
-            <a:normAutofit/>
-          </a:bodyPr>
-          <a:lstStyle/>
-          <a:p>
-            <a:r>
-              <a:rPr lang="en-US"/>
-              <a:t>Click to edit Master title style</a:t>
-            </a:r>
-          </a:p>
-        </p:txBody>
-      </p:sp>
-      <p:sp>
-        <p:nvSpPr>
-          <p:cNvPr id="3" name="Text Placeholder 2">
-            <a:extLst>
-              <a:ext uri="{FF2B5EF4-FFF2-40B4-BE49-F238E27FC236}">
-                <a16:creationId xmlns:a16="http://schemas.microsoft.com/office/drawing/2014/main" id="{D8DE978F-037A-9617-847C-5F2970AD5EF1}"/>
-              </a:ext>
-            </a:extLst>
-          </p:cNvPr>
-          <p:cNvSpPr>
-            <a:spLocks noGrp="1"/>
-          </p:cNvSpPr>
-          <p:nvPr>
-            <p:ph type="body" idx="1"/>
+      </p:pic>
+      <p:sp>
+        <p:nvSpPr>
+          <p:cNvPr id="2" name="Title Placeholder 1"/>
+          <p:cNvSpPr>
+            <a:spLocks noGrp="1"/>
+          </p:cNvSpPr>
+          <p:nvPr>
+            <p:ph type="title"/>
           </p:nvPr>
         </p:nvSpPr>
         <p:spPr>
           <a:xfrm>
-            <a:off x="838200" y="1825625"/>
-            <a:ext cx="10515600" cy="4351338"/>
+            <a:off x="1451579" y="804519"/>
+            <a:ext cx="9603275" cy="1049235"/>
           </a:xfrm>
           <a:prstGeom prst="rect">
             <a:avLst/>
           </a:prstGeom>
         </p:spPr>
         <p:txBody>
-          <a:bodyPr vert="horz" lIns="91440" tIns="45720" rIns="91440" bIns="45720" rtlCol="0">
+          <a:bodyPr vert="horz" lIns="91440" tIns="45720" rIns="91440" bIns="45720" rtlCol="0" anchor="t">
             <a:normAutofit/>
           </a:bodyPr>
           <a:lstStyle/>
           <a:p>
-            <a:pPr lvl="0"/>
-            <a:r>
-              <a:rPr lang="en-US"/>
-              <a:t>Click to edit Master text styles</a:t>
-            </a:r>
-          </a:p>
-          <a:p>
-            <a:pPr lvl="1"/>
-            <a:r>
-              <a:rPr lang="en-US"/>
-              <a:t>Second level</a:t>
-            </a:r>
-          </a:p>
-          <a:p>
-            <a:pPr lvl="2"/>
-            <a:r>
-              <a:rPr lang="en-US"/>
-              <a:t>Third level</a:t>
-            </a:r>
-          </a:p>
-          <a:p>
-            <a:pPr lvl="3"/>
-            <a:r>
-              <a:rPr lang="en-US"/>
-              <a:t>Fourth level</a:t>
-            </a:r>
-          </a:p>
-          <a:p>
-            <a:pPr lvl="4"/>
-            <a:r>
-              <a:rPr lang="en-US"/>
-              <a:t>Fifth level</a:t>
-            </a:r>
-          </a:p>
-        </p:txBody>
-      </p:sp>
-      <p:sp>
-        <p:nvSpPr>
-          <p:cNvPr id="4" name="Date Placeholder 3">
-            <a:extLst>
-              <a:ext uri="{FF2B5EF4-FFF2-40B4-BE49-F238E27FC236}">
-                <a16:creationId xmlns:a16="http://schemas.microsoft.com/office/drawing/2014/main" id="{B675EAF8-AA1D-9E5E-4F51-056D012B8556}"/>
-              </a:ext>
-            </a:extLst>
-          </p:cNvPr>
-          <p:cNvSpPr>
-            <a:spLocks noGrp="1"/>
-          </p:cNvSpPr>
-          <p:nvPr>
-            <p:ph type="dt" sz="half" idx="2"/>
+            <a:r>
+              <a:rPr lang="en-US"/>
+              <a:t>Click to edit Master title style</a:t>
+            </a:r>
+            <a:endParaRPr lang="en-US" dirty="0"/>
+          </a:p>
+        </p:txBody>
+      </p:sp>
+      <p:sp>
+        <p:nvSpPr>
+          <p:cNvPr id="3" name="Text Placeholder 2"/>
+          <p:cNvSpPr>
+            <a:spLocks noGrp="1"/>
+          </p:cNvSpPr>
+          <p:nvPr>
+            <p:ph type="body" idx="1"/>
           </p:nvPr>
         </p:nvSpPr>
         <p:spPr>
           <a:xfrm>
-            <a:off x="838200" y="6356350"/>
-            <a:ext cx="2743200" cy="365125"/>
+            <a:off x="1451579" y="2015732"/>
+            <a:ext cx="9603275" cy="3450613"/>
           </a:xfrm>
           <a:prstGeom prst="rect">
             <a:avLst/>
           </a:prstGeom>
         </p:spPr>
         <p:txBody>
+          <a:bodyPr vert="horz" lIns="91440" tIns="45720" rIns="91440" bIns="45720" rtlCol="0">
+            <a:normAutofit/>
+          </a:bodyPr>
+          <a:lstStyle/>
+          <a:p>
+            <a:pPr lvl="0"/>
+            <a:r>
+              <a:rPr lang="en-US"/>
+              <a:t>Click to edit Master text styles</a:t>
+            </a:r>
+          </a:p>
+          <a:p>
+            <a:pPr lvl="1"/>
+            <a:r>
+              <a:rPr lang="en-US"/>
+              <a:t>Second level</a:t>
+            </a:r>
+          </a:p>
+          <a:p>
+            <a:pPr lvl="2"/>
+            <a:r>
+              <a:rPr lang="en-US"/>
+              <a:t>Third level</a:t>
+            </a:r>
+          </a:p>
+          <a:p>
+            <a:pPr lvl="3"/>
+            <a:r>
+              <a:rPr lang="en-US"/>
+              <a:t>Fourth level</a:t>
+            </a:r>
+          </a:p>
+          <a:p>
+            <a:pPr lvl="4"/>
+            <a:r>
+              <a:rPr lang="en-US"/>
+              <a:t>Fifth level</a:t>
+            </a:r>
+            <a:endParaRPr lang="en-US" dirty="0"/>
+          </a:p>
+        </p:txBody>
+      </p:sp>
+      <p:sp>
+        <p:nvSpPr>
+          <p:cNvPr id="4" name="Date Placeholder 3"/>
+          <p:cNvSpPr>
+            <a:spLocks noGrp="1"/>
+          </p:cNvSpPr>
+          <p:nvPr>
+            <p:ph type="dt" sz="half" idx="2"/>
+          </p:nvPr>
+        </p:nvSpPr>
+        <p:spPr>
+          <a:xfrm>
+            <a:off x="7554138" y="330370"/>
+            <a:ext cx="3500715" cy="309201"/>
+          </a:xfrm>
+          <a:prstGeom prst="rect">
+            <a:avLst/>
+          </a:prstGeom>
+        </p:spPr>
+        <p:txBody>
           <a:bodyPr vert="horz" lIns="91440" tIns="45720" rIns="91440" bIns="45720" rtlCol="0" anchor="ctr"/>
           <a:lstStyle>
-            <a:lvl1pPr algn="l">
-              <a:defRPr sz="1200">
+            <a:lvl1pPr algn="r">
+              <a:defRPr sz="1000">
                 <a:solidFill>
                   <a:schemeClr val="tx1">
                     <a:tint val="75000"/>
@@ -2925,13 +3155,7 @@
       </p:sp>
       <p:sp>
         <p:nvSpPr>
-          <p:cNvPr id="5" name="Footer Placeholder 4">
-            <a:extLst>
-              <a:ext uri="{FF2B5EF4-FFF2-40B4-BE49-F238E27FC236}">
-                <a16:creationId xmlns:a16="http://schemas.microsoft.com/office/drawing/2014/main" id="{A7C0E54F-404A-0C0D-3FBC-46C3D4101A14}"/>
-              </a:ext>
-            </a:extLst>
-          </p:cNvPr>
+          <p:cNvPr id="5" name="Footer Placeholder 4"/>
           <p:cNvSpPr>
             <a:spLocks noGrp="1"/>
           </p:cNvSpPr>
@@ -2941,8 +3165,8 @@
         </p:nvSpPr>
         <p:spPr>
           <a:xfrm>
-            <a:off x="4038600" y="6356350"/>
-            <a:ext cx="4114800" cy="365125"/>
+            <a:off x="1451579" y="329307"/>
+            <a:ext cx="5938836" cy="309201"/>
           </a:xfrm>
           <a:prstGeom prst="rect">
             <a:avLst/>
@@ -2951,8 +3175,8 @@
         <p:txBody>
           <a:bodyPr vert="horz" lIns="91440" tIns="45720" rIns="91440" bIns="45720" rtlCol="0" anchor="ctr"/>
           <a:lstStyle>
-            <a:lvl1pPr algn="ctr">
-              <a:defRPr sz="1200">
+            <a:lvl1pPr algn="l">
+              <a:defRPr sz="1000">
                 <a:solidFill>
                   <a:schemeClr val="tx1">
                     <a:tint val="75000"/>
@@ -2968,13 +3192,7 @@
       </p:sp>
       <p:sp>
         <p:nvSpPr>
-          <p:cNvPr id="6" name="Slide Number Placeholder 5">
-            <a:extLst>
-              <a:ext uri="{FF2B5EF4-FFF2-40B4-BE49-F238E27FC236}">
-                <a16:creationId xmlns:a16="http://schemas.microsoft.com/office/drawing/2014/main" id="{7566CE1A-53AB-4A16-1C92-7722A1BEA6D9}"/>
-              </a:ext>
-            </a:extLst>
-          </p:cNvPr>
+          <p:cNvPr id="6" name="Slide Number Placeholder 5"/>
           <p:cNvSpPr>
             <a:spLocks noGrp="1"/>
           </p:cNvSpPr>
@@ -2984,22 +3202,20 @@
         </p:nvSpPr>
         <p:spPr>
           <a:xfrm>
-            <a:off x="8610600" y="6356350"/>
-            <a:ext cx="2743200" cy="365125"/>
+            <a:off x="480060" y="798973"/>
+            <a:ext cx="811019" cy="503578"/>
           </a:xfrm>
           <a:prstGeom prst="rect">
             <a:avLst/>
           </a:prstGeom>
         </p:spPr>
         <p:txBody>
-          <a:bodyPr vert="horz" lIns="91440" tIns="45720" rIns="91440" bIns="45720" rtlCol="0" anchor="ctr"/>
+          <a:bodyPr vert="horz" lIns="91440" tIns="45720" rIns="91440" bIns="45720" rtlCol="0" anchor="t"/>
           <a:lstStyle>
             <a:lvl1pPr algn="r">
-              <a:defRPr sz="1200">
+              <a:defRPr sz="2800">
                 <a:solidFill>
-                  <a:schemeClr val="tx1">
-                    <a:tint val="75000"/>
-                  </a:schemeClr>
+                  <a:schemeClr val="accent1"/>
                 </a:solidFill>
               </a:defRPr>
             </a:lvl1pPr>
@@ -3013,26 +3229,63 @@
           </a:p>
         </p:txBody>
       </p:sp>
+      <p:cxnSp>
+        <p:nvCxnSpPr>
+          <p:cNvPr id="10" name="Straight Connector 9"/>
+          <p:cNvCxnSpPr/>
+          <p:nvPr/>
+        </p:nvCxnSpPr>
+        <p:spPr>
+          <a:xfrm>
+            <a:off x="0" y="6128413"/>
+            <a:ext cx="12192000" cy="0"/>
+          </a:xfrm>
+          <a:prstGeom prst="line">
+            <a:avLst/>
+          </a:prstGeom>
+          <a:ln w="12700">
+            <a:solidFill>
+              <a:srgbClr val="000001">
+                <a:alpha val="20000"/>
+              </a:srgbClr>
+            </a:solidFill>
+          </a:ln>
+        </p:spPr>
+        <p:style>
+          <a:lnRef idx="1">
+            <a:schemeClr val="accent1"/>
+          </a:lnRef>
+          <a:fillRef idx="0">
+            <a:schemeClr val="accent1"/>
+          </a:fillRef>
+          <a:effectRef idx="0">
+            <a:schemeClr val="accent1"/>
+          </a:effectRef>
+          <a:fontRef idx="minor">
+            <a:schemeClr val="tx1"/>
+          </a:fontRef>
+        </p:style>
+      </p:cxnSp>
     </p:spTree>
     <p:extLst>
       <p:ext uri="{BB962C8B-B14F-4D97-AF65-F5344CB8AC3E}">
-        <p14:creationId xmlns:p14="http://schemas.microsoft.com/office/powerpoint/2010/main" val="2382269943"/>
+        <p14:creationId xmlns:p14="http://schemas.microsoft.com/office/powerpoint/2010/main" val="3451170526"/>
       </p:ext>
     </p:extLst>
   </p:cSld>
   <p:clrMap bg1="lt1" tx1="dk1" bg2="lt2" tx2="dk2" accent1="accent1" accent2="accent2" accent3="accent3" accent4="accent4" accent5="accent5" accent6="accent6" hlink="hlink" folHlink="folHlink"/>
   <p:sldLayoutIdLst>
-    <p:sldLayoutId id="2147483649" r:id="rId1"/>
-    <p:sldLayoutId id="2147483650" r:id="rId2"/>
-    <p:sldLayoutId id="2147483651" r:id="rId3"/>
-    <p:sldLayoutId id="2147483652" r:id="rId4"/>
-    <p:sldLayoutId id="2147483653" r:id="rId5"/>
-    <p:sldLayoutId id="2147483654" r:id="rId6"/>
-    <p:sldLayoutId id="2147483655" r:id="rId7"/>
-    <p:sldLayoutId id="2147483656" r:id="rId8"/>
-    <p:sldLayoutId id="2147483657" r:id="rId9"/>
-    <p:sldLayoutId id="2147483658" r:id="rId10"/>
-    <p:sldLayoutId id="2147483659" r:id="rId11"/>
+    <p:sldLayoutId id="2147483661" r:id="rId1"/>
+    <p:sldLayoutId id="2147483662" r:id="rId2"/>
+    <p:sldLayoutId id="2147483663" r:id="rId3"/>
+    <p:sldLayoutId id="2147483664" r:id="rId4"/>
+    <p:sldLayoutId id="2147483665" r:id="rId5"/>
+    <p:sldLayoutId id="2147483666" r:id="rId6"/>
+    <p:sldLayoutId id="2147483667" r:id="rId7"/>
+    <p:sldLayoutId id="2147483668" r:id="rId8"/>
+    <p:sldLayoutId id="2147483669" r:id="rId9"/>
+    <p:sldLayoutId id="2147483670" r:id="rId10"/>
+    <p:sldLayoutId id="2147483671" r:id="rId11"/>
   </p:sldLayoutIdLst>
   <p:txStyles>
     <p:titleStyle>
@@ -3044,10 +3297,11 @@
           <a:spcPct val="0"/>
         </a:spcBef>
         <a:buNone/>
-        <a:defRPr sz="4400" kern="1200">
+        <a:defRPr sz="3200" b="0" i="0" kern="1200" cap="all">
           <a:solidFill>
             <a:schemeClr val="tx1"/>
           </a:solidFill>
+          <a:effectLst/>
           <a:latin typeface="+mj-lt"/>
           <a:ea typeface="+mj-ea"/>
           <a:cs typeface="+mj-cs"/>
@@ -3057,17 +3311,22 @@
     <p:bodyStyle>
       <a:lvl1pPr marL="228600" indent="-228600" algn="l" defTabSz="914400" rtl="0" eaLnBrk="1" latinLnBrk="0" hangingPunct="1">
         <a:lnSpc>
-          <a:spcPct val="90000"/>
+          <a:spcPct val="120000"/>
         </a:lnSpc>
         <a:spcBef>
           <a:spcPts val="1000"/>
         </a:spcBef>
+        <a:buClr>
+          <a:schemeClr val="accent1"/>
+        </a:buClr>
+        <a:buSzPct val="100000"/>
         <a:buFont typeface="Arial" panose="020B0604020202020204" pitchFamily="34" charset="0"/>
         <a:buChar char="•"/>
-        <a:defRPr sz="2800" kern="1200">
+        <a:defRPr sz="2000" kern="1200">
           <a:solidFill>
             <a:schemeClr val="tx1"/>
           </a:solidFill>
+          <a:effectLst/>
           <a:latin typeface="+mn-lt"/>
           <a:ea typeface="+mn-ea"/>
           <a:cs typeface="+mn-cs"/>
@@ -3075,17 +3334,22 @@
       </a:lvl1pPr>
       <a:lvl2pPr marL="685800" indent="-228600" algn="l" defTabSz="914400" rtl="0" eaLnBrk="1" latinLnBrk="0" hangingPunct="1">
         <a:lnSpc>
-          <a:spcPct val="90000"/>
+          <a:spcPct val="120000"/>
         </a:lnSpc>
         <a:spcBef>
           <a:spcPts val="500"/>
         </a:spcBef>
+        <a:buClr>
+          <a:schemeClr val="accent1"/>
+        </a:buClr>
+        <a:buSzPct val="100000"/>
         <a:buFont typeface="Arial" panose="020B0604020202020204" pitchFamily="34" charset="0"/>
         <a:buChar char="•"/>
-        <a:defRPr sz="2400" kern="1200">
+        <a:defRPr sz="1800" kern="1200" cap="none" baseline="0">
           <a:solidFill>
             <a:schemeClr val="tx1"/>
           </a:solidFill>
+          <a:effectLst/>
           <a:latin typeface="+mn-lt"/>
           <a:ea typeface="+mn-ea"/>
           <a:cs typeface="+mn-cs"/>
@@ -3093,17 +3357,22 @@
       </a:lvl2pPr>
       <a:lvl3pPr marL="1143000" indent="-228600" algn="l" defTabSz="914400" rtl="0" eaLnBrk="1" latinLnBrk="0" hangingPunct="1">
         <a:lnSpc>
-          <a:spcPct val="90000"/>
+          <a:spcPct val="120000"/>
         </a:lnSpc>
         <a:spcBef>
           <a:spcPts val="500"/>
         </a:spcBef>
+        <a:buClr>
+          <a:schemeClr val="accent1"/>
+        </a:buClr>
+        <a:buSzPct val="100000"/>
         <a:buFont typeface="Arial" panose="020B0604020202020204" pitchFamily="34" charset="0"/>
         <a:buChar char="•"/>
-        <a:defRPr sz="2000" kern="1200">
+        <a:defRPr sz="1600" kern="1200">
           <a:solidFill>
             <a:schemeClr val="tx1"/>
           </a:solidFill>
+          <a:effectLst/>
           <a:latin typeface="+mn-lt"/>
           <a:ea typeface="+mn-ea"/>
           <a:cs typeface="+mn-cs"/>
@@ -3111,17 +3380,22 @@
       </a:lvl3pPr>
       <a:lvl4pPr marL="1600200" indent="-228600" algn="l" defTabSz="914400" rtl="0" eaLnBrk="1" latinLnBrk="0" hangingPunct="1">
         <a:lnSpc>
-          <a:spcPct val="90000"/>
+          <a:spcPct val="120000"/>
         </a:lnSpc>
         <a:spcBef>
           <a:spcPts val="500"/>
         </a:spcBef>
+        <a:buClr>
+          <a:schemeClr val="accent1"/>
+        </a:buClr>
+        <a:buSzPct val="100000"/>
         <a:buFont typeface="Arial" panose="020B0604020202020204" pitchFamily="34" charset="0"/>
         <a:buChar char="•"/>
-        <a:defRPr sz="1800" kern="1200">
+        <a:defRPr sz="1400" kern="1200" cap="none" baseline="0">
           <a:solidFill>
             <a:schemeClr val="tx1"/>
           </a:solidFill>
+          <a:effectLst/>
           <a:latin typeface="+mn-lt"/>
           <a:ea typeface="+mn-ea"/>
           <a:cs typeface="+mn-cs"/>
@@ -3129,17 +3403,22 @@
       </a:lvl4pPr>
       <a:lvl5pPr marL="2057400" indent="-228600" algn="l" defTabSz="914400" rtl="0" eaLnBrk="1" latinLnBrk="0" hangingPunct="1">
         <a:lnSpc>
-          <a:spcPct val="90000"/>
+          <a:spcPct val="120000"/>
         </a:lnSpc>
         <a:spcBef>
           <a:spcPts val="500"/>
         </a:spcBef>
+        <a:buClr>
+          <a:schemeClr val="accent1"/>
+        </a:buClr>
+        <a:buSzPct val="100000"/>
         <a:buFont typeface="Arial" panose="020B0604020202020204" pitchFamily="34" charset="0"/>
         <a:buChar char="•"/>
-        <a:defRPr sz="1800" kern="1200">
+        <a:defRPr sz="1200" kern="1200">
           <a:solidFill>
             <a:schemeClr val="tx1"/>
           </a:solidFill>
+          <a:effectLst/>
           <a:latin typeface="+mn-lt"/>
           <a:ea typeface="+mn-ea"/>
           <a:cs typeface="+mn-cs"/>
@@ -3147,17 +3426,22 @@
       </a:lvl5pPr>
       <a:lvl6pPr marL="2514600" indent="-228600" algn="l" defTabSz="914400" rtl="0" eaLnBrk="1" latinLnBrk="0" hangingPunct="1">
         <a:lnSpc>
-          <a:spcPct val="90000"/>
+          <a:spcPct val="120000"/>
         </a:lnSpc>
         <a:spcBef>
           <a:spcPts val="500"/>
         </a:spcBef>
+        <a:buClr>
+          <a:schemeClr val="accent1"/>
+        </a:buClr>
+        <a:buSzPct val="100000"/>
         <a:buFont typeface="Arial" panose="020B0604020202020204" pitchFamily="34" charset="0"/>
         <a:buChar char="•"/>
-        <a:defRPr sz="1800" kern="1200">
+        <a:defRPr sz="1200" kern="1200">
           <a:solidFill>
             <a:schemeClr val="tx1"/>
           </a:solidFill>
+          <a:effectLst/>
           <a:latin typeface="+mn-lt"/>
           <a:ea typeface="+mn-ea"/>
           <a:cs typeface="+mn-cs"/>
@@ -3165,17 +3449,22 @@
       </a:lvl6pPr>
       <a:lvl7pPr marL="2971800" indent="-228600" algn="l" defTabSz="914400" rtl="0" eaLnBrk="1" latinLnBrk="0" hangingPunct="1">
         <a:lnSpc>
-          <a:spcPct val="90000"/>
+          <a:spcPct val="120000"/>
         </a:lnSpc>
         <a:spcBef>
           <a:spcPts val="500"/>
         </a:spcBef>
+        <a:buClr>
+          <a:schemeClr val="accent1"/>
+        </a:buClr>
+        <a:buSzPct val="100000"/>
         <a:buFont typeface="Arial" panose="020B0604020202020204" pitchFamily="34" charset="0"/>
         <a:buChar char="•"/>
-        <a:defRPr sz="1800" kern="1200">
+        <a:defRPr sz="1200" kern="1200">
           <a:solidFill>
             <a:schemeClr val="tx1"/>
           </a:solidFill>
+          <a:effectLst/>
           <a:latin typeface="+mn-lt"/>
           <a:ea typeface="+mn-ea"/>
           <a:cs typeface="+mn-cs"/>
@@ -3183,17 +3472,22 @@
       </a:lvl7pPr>
       <a:lvl8pPr marL="3429000" indent="-228600" algn="l" defTabSz="914400" rtl="0" eaLnBrk="1" latinLnBrk="0" hangingPunct="1">
         <a:lnSpc>
-          <a:spcPct val="90000"/>
+          <a:spcPct val="120000"/>
         </a:lnSpc>
         <a:spcBef>
           <a:spcPts val="500"/>
         </a:spcBef>
+        <a:buClr>
+          <a:schemeClr val="accent1"/>
+        </a:buClr>
+        <a:buSzPct val="100000"/>
         <a:buFont typeface="Arial" panose="020B0604020202020204" pitchFamily="34" charset="0"/>
         <a:buChar char="•"/>
-        <a:defRPr sz="1800" kern="1200">
+        <a:defRPr sz="1200" kern="1200" baseline="0">
           <a:solidFill>
             <a:schemeClr val="tx1"/>
           </a:solidFill>
+          <a:effectLst/>
           <a:latin typeface="+mn-lt"/>
           <a:ea typeface="+mn-ea"/>
           <a:cs typeface="+mn-cs"/>
@@ -3201,17 +3495,22 @@
       </a:lvl8pPr>
       <a:lvl9pPr marL="3886200" indent="-228600" algn="l" defTabSz="914400" rtl="0" eaLnBrk="1" latinLnBrk="0" hangingPunct="1">
         <a:lnSpc>
-          <a:spcPct val="90000"/>
+          <a:spcPct val="120000"/>
         </a:lnSpc>
         <a:spcBef>
           <a:spcPts val="500"/>
         </a:spcBef>
+        <a:buClr>
+          <a:schemeClr val="accent1"/>
+        </a:buClr>
+        <a:buSzPct val="100000"/>
         <a:buFont typeface="Arial" panose="020B0604020202020204" pitchFamily="34" charset="0"/>
         <a:buChar char="•"/>
-        <a:defRPr sz="1800" kern="1200">
+        <a:defRPr sz="1200" kern="1200" baseline="0">
           <a:solidFill>
             <a:schemeClr val="tx1"/>
           </a:solidFill>
+          <a:effectLst/>
           <a:latin typeface="+mn-lt"/>
           <a:ea typeface="+mn-ea"/>
           <a:cs typeface="+mn-cs"/>
@@ -3352,7 +3651,9 @@
         </p:nvSpPr>
         <p:spPr/>
         <p:txBody>
-          <a:bodyPr/>
+          <a:bodyPr>
+            <a:normAutofit fontScale="90000"/>
+          </a:bodyPr>
           <a:lstStyle/>
           <a:p>
             <a:r>
@@ -3380,7 +3681,9 @@
         </p:nvSpPr>
         <p:spPr/>
         <p:txBody>
-          <a:bodyPr/>
+          <a:bodyPr>
+            <a:normAutofit fontScale="62500" lnSpcReduction="20000"/>
+          </a:bodyPr>
           <a:lstStyle/>
           <a:p>
             <a:r>
@@ -3756,7 +4059,7 @@
         </p:nvSpPr>
         <p:spPr>
           <a:xfrm>
-            <a:off x="625643" y="1735639"/>
+            <a:off x="625643" y="1856846"/>
             <a:ext cx="5277852" cy="4524315"/>
           </a:xfrm>
           <a:prstGeom prst="rect">
@@ -4624,7 +4927,9 @@
         </p:nvSpPr>
         <p:spPr/>
         <p:txBody>
-          <a:bodyPr/>
+          <a:bodyPr>
+            <a:normAutofit lnSpcReduction="10000"/>
+          </a:bodyPr>
           <a:lstStyle/>
           <a:p>
             <a:r>
@@ -4914,7 +5219,7 @@
         <p:spPr/>
         <p:txBody>
           <a:bodyPr>
-            <a:normAutofit fontScale="55000" lnSpcReduction="20000"/>
+            <a:normAutofit fontScale="47500" lnSpcReduction="20000"/>
           </a:bodyPr>
           <a:lstStyle/>
           <a:p>
@@ -5102,9 +5407,9 @@
 </file>
 
 <file path=ppt/theme/theme1.xml><?xml version="1.0" encoding="utf-8"?>
-<a:theme xmlns:a="http://schemas.openxmlformats.org/drawingml/2006/main" name="Office Theme">
+<a:theme xmlns:a="http://schemas.openxmlformats.org/drawingml/2006/main" name="Gallery">
   <a:themeElements>
-    <a:clrScheme name="Office">
+    <a:clrScheme name="Blue">
       <a:dk1>
         <a:sysClr val="windowText" lastClr="000000"/>
       </a:dk1>
@@ -5112,39 +5417,39 @@
         <a:sysClr val="window" lastClr="FFFFFF"/>
       </a:lt1>
       <a:dk2>
-        <a:srgbClr val="44546A"/>
+        <a:srgbClr val="17406D"/>
       </a:dk2>
       <a:lt2>
-        <a:srgbClr val="E7E6E6"/>
+        <a:srgbClr val="DBEFF9"/>
       </a:lt2>
       <a:accent1>
-        <a:srgbClr val="4472C4"/>
+        <a:srgbClr val="0F6FC6"/>
       </a:accent1>
       <a:accent2>
-        <a:srgbClr val="ED7D31"/>
+        <a:srgbClr val="009DD9"/>
       </a:accent2>
       <a:accent3>
-        <a:srgbClr val="A5A5A5"/>
+        <a:srgbClr val="0BD0D9"/>
       </a:accent3>
       <a:accent4>
-        <a:srgbClr val="FFC000"/>
+        <a:srgbClr val="10CF9B"/>
       </a:accent4>
       <a:accent5>
-        <a:srgbClr val="5B9BD5"/>
+        <a:srgbClr val="7CCA62"/>
       </a:accent5>
       <a:accent6>
-        <a:srgbClr val="70AD47"/>
+        <a:srgbClr val="A5C249"/>
       </a:accent6>
       <a:hlink>
-        <a:srgbClr val="0563C1"/>
+        <a:srgbClr val="F49100"/>
       </a:hlink>
       <a:folHlink>
-        <a:srgbClr val="954F72"/>
+        <a:srgbClr val="85DFD0"/>
       </a:folHlink>
     </a:clrScheme>
-    <a:fontScheme name="Office">
+    <a:fontScheme name="Gallery">
       <a:majorFont>
-        <a:latin typeface="Calibri Light" panose="020F0302020204030204"/>
+        <a:latin typeface="Gill Sans MT" panose="020B0502020104020203"/>
         <a:ea typeface=""/>
         <a:cs typeface=""/>
         <a:font script="Jpan" typeface="游ゴシック Light"/>
@@ -5177,26 +5482,9 @@
         <a:font script="Viet" typeface="Times New Roman"/>
         <a:font script="Uigh" typeface="Microsoft Uighur"/>
         <a:font script="Geor" typeface="Sylfaen"/>
-        <a:font script="Armn" typeface="Arial"/>
-        <a:font script="Bugi" typeface="Leelawadee UI"/>
-        <a:font script="Bopo" typeface="Microsoft JhengHei"/>
-        <a:font script="Java" typeface="Javanese Text"/>
-        <a:font script="Lisu" typeface="Segoe UI"/>
-        <a:font script="Mymr" typeface="Myanmar Text"/>
-        <a:font script="Nkoo" typeface="Ebrima"/>
-        <a:font script="Olck" typeface="Nirmala UI"/>
-        <a:font script="Osma" typeface="Ebrima"/>
-        <a:font script="Phag" typeface="Phagspa"/>
-        <a:font script="Syrn" typeface="Estrangelo Edessa"/>
-        <a:font script="Syrj" typeface="Estrangelo Edessa"/>
-        <a:font script="Syre" typeface="Estrangelo Edessa"/>
-        <a:font script="Sora" typeface="Nirmala UI"/>
-        <a:font script="Tale" typeface="Microsoft Tai Le"/>
-        <a:font script="Talu" typeface="Microsoft New Tai Lue"/>
-        <a:font script="Tfng" typeface="Ebrima"/>
       </a:majorFont>
       <a:minorFont>
-        <a:latin typeface="Calibri" panose="020F0502020204030204"/>
+        <a:latin typeface="Gill Sans MT" panose="020B0502020104020203"/>
         <a:ea typeface=""/>
         <a:cs typeface=""/>
         <a:font script="Jpan" typeface="游ゴシック"/>
@@ -5229,26 +5517,9 @@
         <a:font script="Viet" typeface="Arial"/>
         <a:font script="Uigh" typeface="Microsoft Uighur"/>
         <a:font script="Geor" typeface="Sylfaen"/>
-        <a:font script="Armn" typeface="Arial"/>
-        <a:font script="Bugi" typeface="Leelawadee UI"/>
-        <a:font script="Bopo" typeface="Microsoft JhengHei"/>
-        <a:font script="Java" typeface="Javanese Text"/>
-        <a:font script="Lisu" typeface="Segoe UI"/>
-        <a:font script="Mymr" typeface="Myanmar Text"/>
-        <a:font script="Nkoo" typeface="Ebrima"/>
-        <a:font script="Olck" typeface="Nirmala UI"/>
-        <a:font script="Osma" typeface="Ebrima"/>
-        <a:font script="Phag" typeface="Phagspa"/>
-        <a:font script="Syrn" typeface="Estrangelo Edessa"/>
-        <a:font script="Syrj" typeface="Estrangelo Edessa"/>
-        <a:font script="Syre" typeface="Estrangelo Edessa"/>
-        <a:font script="Sora" typeface="Nirmala UI"/>
-        <a:font script="Tale" typeface="Microsoft Tai Le"/>
-        <a:font script="Talu" typeface="Microsoft New Tai Lue"/>
-        <a:font script="Tfng" typeface="Ebrima"/>
       </a:minorFont>
     </a:fontScheme>
-    <a:fmtScheme name="Office">
+    <a:fmtScheme name="Gallery">
       <a:fillStyleLst>
         <a:solidFill>
           <a:schemeClr val="phClr"/>
@@ -5257,23 +5528,18 @@
           <a:gsLst>
             <a:gs pos="0">
               <a:schemeClr val="phClr">
+                <a:tint val="54000"/>
+                <a:alpha val="100000"/>
+                <a:satMod val="105000"/>
                 <a:lumMod val="110000"/>
-                <a:satMod val="105000"/>
-                <a:tint val="67000"/>
-              </a:schemeClr>
-            </a:gs>
-            <a:gs pos="50000">
-              <a:schemeClr val="phClr">
-                <a:lumMod val="105000"/>
-                <a:satMod val="103000"/>
-                <a:tint val="73000"/>
               </a:schemeClr>
             </a:gs>
             <a:gs pos="100000">
               <a:schemeClr val="phClr">
-                <a:lumMod val="105000"/>
+                <a:tint val="78000"/>
+                <a:alpha val="92000"/>
                 <a:satMod val="109000"/>
-                <a:tint val="81000"/>
+                <a:lumMod val="100000"/>
               </a:schemeClr>
             </a:gs>
           </a:gsLst>
@@ -5283,23 +5549,23 @@
           <a:gsLst>
             <a:gs pos="0">
               <a:schemeClr val="phClr">
-                <a:satMod val="103000"/>
-                <a:lumMod val="102000"/>
-                <a:tint val="94000"/>
+                <a:tint val="98000"/>
+                <a:satMod val="110000"/>
+                <a:lumMod val="104000"/>
               </a:schemeClr>
             </a:gs>
-            <a:gs pos="50000">
+            <a:gs pos="69000">
               <a:schemeClr val="phClr">
-                <a:satMod val="110000"/>
-                <a:lumMod val="100000"/>
-                <a:shade val="100000"/>
+                <a:shade val="88000"/>
+                <a:satMod val="130000"/>
+                <a:lumMod val="92000"/>
               </a:schemeClr>
             </a:gs>
             <a:gs pos="100000">
               <a:schemeClr val="phClr">
-                <a:lumMod val="99000"/>
-                <a:satMod val="120000"/>
                 <a:shade val="78000"/>
+                <a:satMod val="130000"/>
+                <a:lumMod val="92000"/>
               </a:schemeClr>
             </a:gs>
           </a:gsLst>
@@ -5307,26 +5573,23 @@
         </a:gradFill>
       </a:fillStyleLst>
       <a:lnStyleLst>
-        <a:ln w="6350" cap="flat" cmpd="sng" algn="ctr">
+        <a:ln w="9525" cap="flat" cmpd="sng" algn="ctr">
           <a:solidFill>
             <a:schemeClr val="phClr"/>
           </a:solidFill>
           <a:prstDash val="solid"/>
-          <a:miter lim="800000"/>
         </a:ln>
-        <a:ln w="12700" cap="flat" cmpd="sng" algn="ctr">
+        <a:ln w="15875" cap="flat" cmpd="sng" algn="ctr">
           <a:solidFill>
             <a:schemeClr val="phClr"/>
           </a:solidFill>
           <a:prstDash val="solid"/>
-          <a:miter lim="800000"/>
         </a:ln>
-        <a:ln w="19050" cap="flat" cmpd="sng" algn="ctr">
+        <a:ln w="22225" cap="flat" cmpd="sng" algn="ctr">
           <a:solidFill>
             <a:schemeClr val="phClr"/>
           </a:solidFill>
           <a:prstDash val="solid"/>
-          <a:miter lim="800000"/>
         </a:ln>
       </a:lnStyleLst>
       <a:effectStyleLst>
@@ -5338,12 +5601,23 @@
         </a:effectStyle>
         <a:effectStyle>
           <a:effectLst>
-            <a:outerShdw blurRad="57150" dist="19050" dir="5400000" algn="ctr" rotWithShape="0">
+            <a:outerShdw blurRad="50800" dist="50800" dir="5400000" sx="96000" sy="96000" rotWithShape="0">
               <a:srgbClr val="000000">
-                <a:alpha val="63000"/>
+                <a:alpha val="48000"/>
               </a:srgbClr>
             </a:outerShdw>
           </a:effectLst>
+          <a:scene3d>
+            <a:camera prst="orthographicFront">
+              <a:rot lat="0" lon="0" rev="0"/>
+            </a:camera>
+            <a:lightRig rig="balanced" dir="t">
+              <a:rot lat="0" lon="0" rev="1080000"/>
+            </a:lightRig>
+          </a:scene3d>
+          <a:sp3d>
+            <a:bevelT w="38100" h="12700" prst="softRound"/>
+          </a:sp3d>
         </a:effectStyle>
       </a:effectStyleLst>
       <a:bgFillStyleLst>
@@ -5351,37 +5625,26 @@
           <a:schemeClr val="phClr"/>
         </a:solidFill>
         <a:solidFill>
-          <a:schemeClr val="phClr">
-            <a:tint val="95000"/>
-            <a:satMod val="170000"/>
-          </a:schemeClr>
+          <a:schemeClr val="phClr"/>
         </a:solidFill>
         <a:gradFill rotWithShape="1">
           <a:gsLst>
             <a:gs pos="0">
               <a:schemeClr val="phClr">
-                <a:tint val="93000"/>
-                <a:satMod val="150000"/>
-                <a:shade val="98000"/>
-                <a:lumMod val="102000"/>
-              </a:schemeClr>
-            </a:gs>
-            <a:gs pos="50000">
-              <a:schemeClr val="phClr">
-                <a:tint val="98000"/>
-                <a:satMod val="130000"/>
-                <a:shade val="90000"/>
-                <a:lumMod val="103000"/>
+                <a:tint val="94000"/>
+                <a:satMod val="80000"/>
+                <a:lumMod val="106000"/>
               </a:schemeClr>
             </a:gs>
             <a:gs pos="100000">
               <a:schemeClr val="phClr">
-                <a:shade val="63000"/>
-                <a:satMod val="120000"/>
+                <a:shade val="80000"/>
               </a:schemeClr>
             </a:gs>
           </a:gsLst>
-          <a:lin ang="5400000" scaled="0"/>
+          <a:path path="circle">
+            <a:fillToRect l="43000" r="43000" b="100000"/>
+          </a:path>
         </a:gradFill>
       </a:bgFillStyleLst>
     </a:fmtScheme>
@@ -5390,7 +5653,7 @@
   <a:extraClrSchemeLst/>
   <a:extLst>
     <a:ext uri="{05A4C25C-085E-4340-85A3-A5531E510DB2}">
-      <thm15:themeFamily xmlns:thm15="http://schemas.microsoft.com/office/thememl/2012/main" name="Office Theme" id="{62F939B6-93AF-4DB8-9C6B-D6C7DFDC589F}" vid="{4A3C46E8-61CC-4603-A589-7422A47A8E4A}"/>
+      <thm15:themeFamily xmlns:thm15="http://schemas.microsoft.com/office/thememl/2012/main" name="Gallery" id="{BBFCD31E-59A1-489D-B089-A3EAD7CAE12E}" vid="{F5E91637-A7B6-4E27-B710-77DA7014EE1E}"/>
     </a:ext>
   </a:extLst>
 </a:theme>
